--- a/documents/Temporally Layered Architecture.pptx
+++ b/documents/Temporally Layered Architecture.pptx
@@ -8,6 +8,13 @@
     <p:sldId id="256" r:id="rId2"/>
     <p:sldId id="257" r:id="rId3"/>
     <p:sldId id="258" r:id="rId4"/>
+    <p:sldId id="259" r:id="rId5"/>
+    <p:sldId id="260" r:id="rId6"/>
+    <p:sldId id="261" r:id="rId7"/>
+    <p:sldId id="262" r:id="rId8"/>
+    <p:sldId id="263" r:id="rId9"/>
+    <p:sldId id="264" r:id="rId10"/>
+    <p:sldId id="265" r:id="rId11"/>
   </p:sldIdLst>
   <p:sldSz cx="12192000" cy="6858000"/>
   <p:notesSz cx="6858000" cy="9144000"/>
@@ -106,6 +113,11 @@
       </a:defRPr>
     </a:lvl9pPr>
   </p:defaultTextStyle>
+  <p:extLst>
+    <p:ext uri="{EFAFB233-063F-42B5-8137-9DF3F51BA10A}">
+      <p15:sldGuideLst xmlns:p15="http://schemas.microsoft.com/office/powerpoint/2012/main"/>
+    </p:ext>
+  </p:extLst>
 </p:presentation>
 </file>
 
@@ -260,7 +272,7 @@
           <a:p>
             <a:fld id="{2F3E8B1C-86EF-43CF-8304-249481088644}" type="datetimeFigureOut">
               <a:rPr lang="en-US" smtClean="0"/>
-              <a:t>9/1/2022</a:t>
+              <a:t>9/11/2022</a:t>
             </a:fld>
             <a:endParaRPr lang="en-US"/>
           </a:p>
@@ -458,7 +470,7 @@
           <a:p>
             <a:fld id="{2F3E8B1C-86EF-43CF-8304-249481088644}" type="datetimeFigureOut">
               <a:rPr lang="en-US" smtClean="0"/>
-              <a:t>9/1/2022</a:t>
+              <a:t>9/11/2022</a:t>
             </a:fld>
             <a:endParaRPr lang="en-US"/>
           </a:p>
@@ -666,7 +678,7 @@
           <a:p>
             <a:fld id="{2F3E8B1C-86EF-43CF-8304-249481088644}" type="datetimeFigureOut">
               <a:rPr lang="en-US" smtClean="0"/>
-              <a:t>9/1/2022</a:t>
+              <a:t>9/11/2022</a:t>
             </a:fld>
             <a:endParaRPr lang="en-US"/>
           </a:p>
@@ -864,7 +876,7 @@
           <a:p>
             <a:fld id="{2F3E8B1C-86EF-43CF-8304-249481088644}" type="datetimeFigureOut">
               <a:rPr lang="en-US" smtClean="0"/>
-              <a:t>9/1/2022</a:t>
+              <a:t>9/11/2022</a:t>
             </a:fld>
             <a:endParaRPr lang="en-US"/>
           </a:p>
@@ -1139,7 +1151,7 @@
           <a:p>
             <a:fld id="{2F3E8B1C-86EF-43CF-8304-249481088644}" type="datetimeFigureOut">
               <a:rPr lang="en-US" smtClean="0"/>
-              <a:t>9/1/2022</a:t>
+              <a:t>9/11/2022</a:t>
             </a:fld>
             <a:endParaRPr lang="en-US"/>
           </a:p>
@@ -1409,7 +1421,7 @@
           <a:p>
             <a:fld id="{2F3E8B1C-86EF-43CF-8304-249481088644}" type="datetimeFigureOut">
               <a:rPr lang="en-US" smtClean="0"/>
-              <a:t>9/1/2022</a:t>
+              <a:t>9/11/2022</a:t>
             </a:fld>
             <a:endParaRPr lang="en-US"/>
           </a:p>
@@ -1829,7 +1841,7 @@
           <a:p>
             <a:fld id="{2F3E8B1C-86EF-43CF-8304-249481088644}" type="datetimeFigureOut">
               <a:rPr lang="en-US" smtClean="0"/>
-              <a:t>9/1/2022</a:t>
+              <a:t>9/11/2022</a:t>
             </a:fld>
             <a:endParaRPr lang="en-US"/>
           </a:p>
@@ -1970,7 +1982,7 @@
           <a:p>
             <a:fld id="{2F3E8B1C-86EF-43CF-8304-249481088644}" type="datetimeFigureOut">
               <a:rPr lang="en-US" smtClean="0"/>
-              <a:t>9/1/2022</a:t>
+              <a:t>9/11/2022</a:t>
             </a:fld>
             <a:endParaRPr lang="en-US"/>
           </a:p>
@@ -2083,7 +2095,7 @@
           <a:p>
             <a:fld id="{2F3E8B1C-86EF-43CF-8304-249481088644}" type="datetimeFigureOut">
               <a:rPr lang="en-US" smtClean="0"/>
-              <a:t>9/1/2022</a:t>
+              <a:t>9/11/2022</a:t>
             </a:fld>
             <a:endParaRPr lang="en-US"/>
           </a:p>
@@ -2394,7 +2406,7 @@
           <a:p>
             <a:fld id="{2F3E8B1C-86EF-43CF-8304-249481088644}" type="datetimeFigureOut">
               <a:rPr lang="en-US" smtClean="0"/>
-              <a:t>9/1/2022</a:t>
+              <a:t>9/11/2022</a:t>
             </a:fld>
             <a:endParaRPr lang="en-US"/>
           </a:p>
@@ -2682,7 +2694,7 @@
           <a:p>
             <a:fld id="{2F3E8B1C-86EF-43CF-8304-249481088644}" type="datetimeFigureOut">
               <a:rPr lang="en-US" smtClean="0"/>
-              <a:t>9/1/2022</a:t>
+              <a:t>9/11/2022</a:t>
             </a:fld>
             <a:endParaRPr lang="en-US"/>
           </a:p>
@@ -2923,7 +2935,7 @@
             <a:fld id="{2F3E8B1C-86EF-43CF-8304-249481088644}" type="datetimeFigureOut">
               <a:rPr lang="en-US" smtClean="0"/>
               <a:pPr/>
-              <a:t>9/1/2022</a:t>
+              <a:t>9/11/2022</a:t>
             </a:fld>
             <a:endParaRPr lang="en-US" dirty="0"/>
           </a:p>
@@ -3813,6 +3825,98 @@
 </p:sld>
 </file>
 
+<file path=ppt/slides/slide10.xml><?xml version="1.0" encoding="utf-8"?>
+<p:sld xmlns:a="http://schemas.openxmlformats.org/drawingml/2006/main" xmlns:r="http://schemas.openxmlformats.org/officeDocument/2006/relationships" xmlns:p="http://schemas.openxmlformats.org/presentationml/2006/main">
+  <p:cSld>
+    <p:spTree>
+      <p:nvGrpSpPr>
+        <p:cNvPr id="1" name=""/>
+        <p:cNvGrpSpPr/>
+        <p:nvPr/>
+      </p:nvGrpSpPr>
+      <p:grpSpPr>
+        <a:xfrm>
+          <a:off x="0" y="0"/>
+          <a:ext cx="0" cy="0"/>
+          <a:chOff x="0" y="0"/>
+          <a:chExt cx="0" cy="0"/>
+        </a:xfrm>
+      </p:grpSpPr>
+      <p:sp>
+        <p:nvSpPr>
+          <p:cNvPr id="2" name="Title 1">
+            <a:extLst>
+              <a:ext uri="{FF2B5EF4-FFF2-40B4-BE49-F238E27FC236}">
+                <a16:creationId xmlns:a16="http://schemas.microsoft.com/office/drawing/2014/main" id="{B52B3B60-C45A-C00F-63A1-1A3ABE14B0FA}"/>
+              </a:ext>
+            </a:extLst>
+          </p:cNvPr>
+          <p:cNvSpPr>
+            <a:spLocks noGrp="1"/>
+          </p:cNvSpPr>
+          <p:nvPr>
+            <p:ph type="title"/>
+          </p:nvPr>
+        </p:nvSpPr>
+        <p:spPr/>
+        <p:txBody>
+          <a:bodyPr/>
+          <a:lstStyle/>
+          <a:p>
+            <a:r>
+              <a:rPr lang="en-US" dirty="0"/>
+              <a:t>Thesis Committee</a:t>
+            </a:r>
+          </a:p>
+        </p:txBody>
+      </p:sp>
+      <p:sp>
+        <p:nvSpPr>
+          <p:cNvPr id="3" name="Content Placeholder 2">
+            <a:extLst>
+              <a:ext uri="{FF2B5EF4-FFF2-40B4-BE49-F238E27FC236}">
+                <a16:creationId xmlns:a16="http://schemas.microsoft.com/office/drawing/2014/main" id="{E875F81C-A0D7-1630-F877-0E4B79FB43C0}"/>
+              </a:ext>
+            </a:extLst>
+          </p:cNvPr>
+          <p:cNvSpPr>
+            <a:spLocks noGrp="1"/>
+          </p:cNvSpPr>
+          <p:nvPr>
+            <p:ph idx="1"/>
+          </p:nvPr>
+        </p:nvSpPr>
+        <p:spPr/>
+        <p:txBody>
+          <a:bodyPr/>
+          <a:lstStyle/>
+          <a:p>
+            <a:r>
+              <a:rPr lang="en-US" dirty="0"/>
+              <a:t>2 CICS faculty</a:t>
+            </a:r>
+          </a:p>
+          <a:p>
+            <a:r>
+              <a:rPr lang="en-US" dirty="0"/>
+              <a:t>1 external</a:t>
+            </a:r>
+          </a:p>
+        </p:txBody>
+      </p:sp>
+    </p:spTree>
+    <p:extLst>
+      <p:ext uri="{BB962C8B-B14F-4D97-AF65-F5344CB8AC3E}">
+        <p14:creationId xmlns:p14="http://schemas.microsoft.com/office/powerpoint/2010/main" val="3974145976"/>
+      </p:ext>
+    </p:extLst>
+  </p:cSld>
+  <p:clrMapOvr>
+    <a:masterClrMapping/>
+  </p:clrMapOvr>
+</p:sld>
+</file>
+
 <file path=ppt/slides/slide2.xml><?xml version="1.0" encoding="utf-8"?>
 <p:sld xmlns:a="http://schemas.openxmlformats.org/drawingml/2006/main" xmlns:r="http://schemas.openxmlformats.org/officeDocument/2006/relationships" xmlns:p="http://schemas.openxmlformats.org/presentationml/2006/main">
   <p:cSld>
@@ -6438,6 +6542,5073 @@
     <p:extLst>
       <p:ext uri="{BB962C8B-B14F-4D97-AF65-F5344CB8AC3E}">
         <p14:creationId xmlns:p14="http://schemas.microsoft.com/office/powerpoint/2010/main" val="3026129005"/>
+      </p:ext>
+    </p:extLst>
+  </p:cSld>
+  <p:clrMapOvr>
+    <a:masterClrMapping/>
+  </p:clrMapOvr>
+</p:sld>
+</file>
+
+<file path=ppt/slides/slide4.xml><?xml version="1.0" encoding="utf-8"?>
+<p:sld xmlns:a="http://schemas.openxmlformats.org/drawingml/2006/main" xmlns:r="http://schemas.openxmlformats.org/officeDocument/2006/relationships" xmlns:p="http://schemas.openxmlformats.org/presentationml/2006/main">
+  <p:cSld>
+    <p:spTree>
+      <p:nvGrpSpPr>
+        <p:cNvPr id="1" name=""/>
+        <p:cNvGrpSpPr/>
+        <p:nvPr/>
+      </p:nvGrpSpPr>
+      <p:grpSpPr>
+        <a:xfrm>
+          <a:off x="0" y="0"/>
+          <a:ext cx="0" cy="0"/>
+          <a:chOff x="0" y="0"/>
+          <a:chExt cx="0" cy="0"/>
+        </a:xfrm>
+      </p:grpSpPr>
+      <p:sp>
+        <p:nvSpPr>
+          <p:cNvPr id="2" name="Title 1">
+            <a:extLst>
+              <a:ext uri="{FF2B5EF4-FFF2-40B4-BE49-F238E27FC236}">
+                <a16:creationId xmlns:a16="http://schemas.microsoft.com/office/drawing/2014/main" id="{674ED436-2247-E7A8-7EB9-A61CF5EADA29}"/>
+              </a:ext>
+            </a:extLst>
+          </p:cNvPr>
+          <p:cNvSpPr>
+            <a:spLocks noGrp="1"/>
+          </p:cNvSpPr>
+          <p:nvPr>
+            <p:ph type="title"/>
+          </p:nvPr>
+        </p:nvSpPr>
+        <p:spPr/>
+        <p:txBody>
+          <a:bodyPr/>
+          <a:lstStyle/>
+          <a:p>
+            <a:r>
+              <a:rPr lang="en-US" dirty="0"/>
+              <a:t>Convergence Guarantee?</a:t>
+            </a:r>
+          </a:p>
+        </p:txBody>
+      </p:sp>
+      <p:pic>
+        <p:nvPicPr>
+          <p:cNvPr id="5" name="Picture 4">
+            <a:extLst>
+              <a:ext uri="{FF2B5EF4-FFF2-40B4-BE49-F238E27FC236}">
+                <a16:creationId xmlns:a16="http://schemas.microsoft.com/office/drawing/2014/main" id="{17736821-0449-FE28-B58A-02A3EBF82F8F}"/>
+              </a:ext>
+            </a:extLst>
+          </p:cNvPr>
+          <p:cNvPicPr>
+            <a:picLocks noChangeAspect="1"/>
+          </p:cNvPicPr>
+          <p:nvPr/>
+        </p:nvPicPr>
+        <p:blipFill>
+          <a:blip r:embed="rId2"/>
+          <a:stretch>
+            <a:fillRect/>
+          </a:stretch>
+        </p:blipFill>
+        <p:spPr>
+          <a:xfrm>
+            <a:off x="7474227" y="1835916"/>
+            <a:ext cx="3255672" cy="4240205"/>
+          </a:xfrm>
+          <a:prstGeom prst="rect">
+            <a:avLst/>
+          </a:prstGeom>
+        </p:spPr>
+      </p:pic>
+      <p:grpSp>
+        <p:nvGrpSpPr>
+          <p:cNvPr id="6" name="Group 5">
+            <a:extLst>
+              <a:ext uri="{FF2B5EF4-FFF2-40B4-BE49-F238E27FC236}">
+                <a16:creationId xmlns:a16="http://schemas.microsoft.com/office/drawing/2014/main" id="{2611D5AC-4232-CB7E-6E94-B1233B0D4990}"/>
+              </a:ext>
+            </a:extLst>
+          </p:cNvPr>
+          <p:cNvGrpSpPr/>
+          <p:nvPr/>
+        </p:nvGrpSpPr>
+        <p:grpSpPr>
+          <a:xfrm>
+            <a:off x="3338836" y="2293126"/>
+            <a:ext cx="3820233" cy="3089515"/>
+            <a:chOff x="835152" y="1261759"/>
+            <a:chExt cx="4057523" cy="3133041"/>
+          </a:xfrm>
+        </p:grpSpPr>
+        <p:sp>
+          <p:nvSpPr>
+            <p:cNvPr id="7" name="Rectangle 6">
+              <a:extLst>
+                <a:ext uri="{FF2B5EF4-FFF2-40B4-BE49-F238E27FC236}">
+                  <a16:creationId xmlns:a16="http://schemas.microsoft.com/office/drawing/2014/main" id="{49D7ABDB-A42A-7E8E-9873-E6FC4D75BCF4}"/>
+                </a:ext>
+              </a:extLst>
+            </p:cNvPr>
+            <p:cNvSpPr/>
+            <p:nvPr/>
+          </p:nvSpPr>
+          <p:spPr>
+            <a:xfrm>
+              <a:off x="1524947" y="1261759"/>
+              <a:ext cx="1694688" cy="621563"/>
+            </a:xfrm>
+            <a:prstGeom prst="rect">
+              <a:avLst/>
+            </a:prstGeom>
+            <a:solidFill>
+              <a:srgbClr val="199AAE"/>
+            </a:solidFill>
+            <a:ln>
+              <a:solidFill>
+                <a:srgbClr val="199AAE"/>
+              </a:solidFill>
+            </a:ln>
+          </p:spPr>
+          <p:style>
+            <a:lnRef idx="2">
+              <a:schemeClr val="accent1">
+                <a:shade val="50000"/>
+              </a:schemeClr>
+            </a:lnRef>
+            <a:fillRef idx="1">
+              <a:schemeClr val="accent1"/>
+            </a:fillRef>
+            <a:effectRef idx="0">
+              <a:schemeClr val="accent1"/>
+            </a:effectRef>
+            <a:fontRef idx="minor">
+              <a:schemeClr val="lt1"/>
+            </a:fontRef>
+          </p:style>
+          <p:txBody>
+            <a:bodyPr rtlCol="0" anchor="ctr"/>
+            <a:lstStyle/>
+            <a:p>
+              <a:pPr algn="ctr"/>
+              <a:r>
+                <a:rPr lang="en-US" dirty="0"/>
+                <a:t>Slow Controller</a:t>
+              </a:r>
+            </a:p>
+          </p:txBody>
+        </p:sp>
+        <p:sp>
+          <p:nvSpPr>
+            <p:cNvPr id="8" name="Rectangle 7">
+              <a:extLst>
+                <a:ext uri="{FF2B5EF4-FFF2-40B4-BE49-F238E27FC236}">
+                  <a16:creationId xmlns:a16="http://schemas.microsoft.com/office/drawing/2014/main" id="{F7A6E3C5-DF27-A3C8-F6D0-561AA58DF2D1}"/>
+                </a:ext>
+              </a:extLst>
+            </p:cNvPr>
+            <p:cNvSpPr/>
+            <p:nvPr/>
+          </p:nvSpPr>
+          <p:spPr>
+            <a:xfrm>
+              <a:off x="1506659" y="2279791"/>
+              <a:ext cx="1694688" cy="621563"/>
+            </a:xfrm>
+            <a:prstGeom prst="rect">
+              <a:avLst/>
+            </a:prstGeom>
+            <a:solidFill>
+              <a:srgbClr val="F76A6F"/>
+            </a:solidFill>
+            <a:ln>
+              <a:solidFill>
+                <a:srgbClr val="F76A6F"/>
+              </a:solidFill>
+            </a:ln>
+          </p:spPr>
+          <p:style>
+            <a:lnRef idx="2">
+              <a:schemeClr val="accent1">
+                <a:shade val="50000"/>
+              </a:schemeClr>
+            </a:lnRef>
+            <a:fillRef idx="1">
+              <a:schemeClr val="accent1"/>
+            </a:fillRef>
+            <a:effectRef idx="0">
+              <a:schemeClr val="accent1"/>
+            </a:effectRef>
+            <a:fontRef idx="minor">
+              <a:schemeClr val="lt1"/>
+            </a:fontRef>
+          </p:style>
+          <p:txBody>
+            <a:bodyPr rtlCol="0" anchor="ctr"/>
+            <a:lstStyle/>
+            <a:p>
+              <a:pPr algn="ctr"/>
+              <a:r>
+                <a:rPr lang="en-US" dirty="0"/>
+                <a:t>Fast Controller</a:t>
+              </a:r>
+            </a:p>
+          </p:txBody>
+        </p:sp>
+        <p:sp>
+          <p:nvSpPr>
+            <p:cNvPr id="9" name="Rectangle 8">
+              <a:extLst>
+                <a:ext uri="{FF2B5EF4-FFF2-40B4-BE49-F238E27FC236}">
+                  <a16:creationId xmlns:a16="http://schemas.microsoft.com/office/drawing/2014/main" id="{8B299643-7325-9C7F-8C4D-5E70A5B92B66}"/>
+                </a:ext>
+              </a:extLst>
+            </p:cNvPr>
+            <p:cNvSpPr/>
+            <p:nvPr/>
+          </p:nvSpPr>
+          <p:spPr>
+            <a:xfrm>
+              <a:off x="1506659" y="3773237"/>
+              <a:ext cx="1694688" cy="621563"/>
+            </a:xfrm>
+            <a:prstGeom prst="rect">
+              <a:avLst/>
+            </a:prstGeom>
+            <a:solidFill>
+              <a:srgbClr val="FFBC44"/>
+            </a:solidFill>
+            <a:ln>
+              <a:solidFill>
+                <a:srgbClr val="FFBC44"/>
+              </a:solidFill>
+            </a:ln>
+          </p:spPr>
+          <p:style>
+            <a:lnRef idx="2">
+              <a:schemeClr val="accent1">
+                <a:shade val="50000"/>
+              </a:schemeClr>
+            </a:lnRef>
+            <a:fillRef idx="1">
+              <a:schemeClr val="accent1"/>
+            </a:fillRef>
+            <a:effectRef idx="0">
+              <a:schemeClr val="accent1"/>
+            </a:effectRef>
+            <a:fontRef idx="minor">
+              <a:schemeClr val="lt1"/>
+            </a:fontRef>
+          </p:style>
+          <p:txBody>
+            <a:bodyPr rtlCol="0" anchor="ctr"/>
+            <a:lstStyle/>
+            <a:p>
+              <a:pPr algn="ctr"/>
+              <a:r>
+                <a:rPr lang="en-US" dirty="0"/>
+                <a:t>Environment</a:t>
+              </a:r>
+            </a:p>
+          </p:txBody>
+        </p:sp>
+        <p:cxnSp>
+          <p:nvCxnSpPr>
+            <p:cNvPr id="10" name="Connector: Elbow 9">
+              <a:extLst>
+                <a:ext uri="{FF2B5EF4-FFF2-40B4-BE49-F238E27FC236}">
+                  <a16:creationId xmlns:a16="http://schemas.microsoft.com/office/drawing/2014/main" id="{A96169E5-B20F-C2B2-9928-160A7F7325DC}"/>
+                </a:ext>
+              </a:extLst>
+            </p:cNvPr>
+            <p:cNvCxnSpPr>
+              <a:stCxn id="9" idx="1"/>
+              <a:endCxn id="7" idx="1"/>
+            </p:cNvCxnSpPr>
+            <p:nvPr/>
+          </p:nvCxnSpPr>
+          <p:spPr>
+            <a:xfrm rot="10800000" flipH="1">
+              <a:off x="1506659" y="1572541"/>
+              <a:ext cx="18288" cy="2511478"/>
+            </a:xfrm>
+            <a:prstGeom prst="bentConnector3">
+              <a:avLst>
+                <a:gd name="adj1" fmla="val -1250000"/>
+              </a:avLst>
+            </a:prstGeom>
+            <a:ln w="12700">
+              <a:solidFill>
+                <a:schemeClr val="tx1"/>
+              </a:solidFill>
+              <a:tailEnd type="triangle"/>
+            </a:ln>
+          </p:spPr>
+          <p:style>
+            <a:lnRef idx="1">
+              <a:schemeClr val="accent1"/>
+            </a:lnRef>
+            <a:fillRef idx="0">
+              <a:schemeClr val="accent1"/>
+            </a:fillRef>
+            <a:effectRef idx="0">
+              <a:schemeClr val="accent1"/>
+            </a:effectRef>
+            <a:fontRef idx="minor">
+              <a:schemeClr val="tx1"/>
+            </a:fontRef>
+          </p:style>
+        </p:cxnSp>
+        <p:cxnSp>
+          <p:nvCxnSpPr>
+            <p:cNvPr id="11" name="Connector: Elbow 10">
+              <a:extLst>
+                <a:ext uri="{FF2B5EF4-FFF2-40B4-BE49-F238E27FC236}">
+                  <a16:creationId xmlns:a16="http://schemas.microsoft.com/office/drawing/2014/main" id="{E353ABBF-7F65-7E98-F24C-AA26DFA653C9}"/>
+                </a:ext>
+              </a:extLst>
+            </p:cNvPr>
+            <p:cNvCxnSpPr>
+              <a:cxnSpLocks/>
+              <a:stCxn id="9" idx="1"/>
+              <a:endCxn id="8" idx="1"/>
+            </p:cNvCxnSpPr>
+            <p:nvPr/>
+          </p:nvCxnSpPr>
+          <p:spPr>
+            <a:xfrm rot="10800000">
+              <a:off x="1506659" y="2590573"/>
+              <a:ext cx="12700" cy="1493446"/>
+            </a:xfrm>
+            <a:prstGeom prst="bentConnector3">
+              <a:avLst>
+                <a:gd name="adj1" fmla="val 1944000"/>
+              </a:avLst>
+            </a:prstGeom>
+            <a:ln w="12700">
+              <a:solidFill>
+                <a:schemeClr val="tx1"/>
+              </a:solidFill>
+              <a:tailEnd type="triangle"/>
+            </a:ln>
+          </p:spPr>
+          <p:style>
+            <a:lnRef idx="1">
+              <a:schemeClr val="accent1"/>
+            </a:lnRef>
+            <a:fillRef idx="0">
+              <a:schemeClr val="accent1"/>
+            </a:fillRef>
+            <a:effectRef idx="0">
+              <a:schemeClr val="accent1"/>
+            </a:effectRef>
+            <a:fontRef idx="minor">
+              <a:schemeClr val="tx1"/>
+            </a:fontRef>
+          </p:style>
+        </p:cxnSp>
+        <p:cxnSp>
+          <p:nvCxnSpPr>
+            <p:cNvPr id="12" name="Connector: Elbow 11">
+              <a:extLst>
+                <a:ext uri="{FF2B5EF4-FFF2-40B4-BE49-F238E27FC236}">
+                  <a16:creationId xmlns:a16="http://schemas.microsoft.com/office/drawing/2014/main" id="{2A7864F8-4715-2E7C-805D-D49D3DC18D10}"/>
+                </a:ext>
+              </a:extLst>
+            </p:cNvPr>
+            <p:cNvCxnSpPr>
+              <a:cxnSpLocks/>
+              <a:stCxn id="7" idx="3"/>
+              <a:endCxn id="16" idx="6"/>
+            </p:cNvCxnSpPr>
+            <p:nvPr/>
+          </p:nvCxnSpPr>
+          <p:spPr>
+            <a:xfrm>
+              <a:off x="3219635" y="1572541"/>
+              <a:ext cx="1445800" cy="2503445"/>
+            </a:xfrm>
+            <a:prstGeom prst="bentConnector3">
+              <a:avLst>
+                <a:gd name="adj1" fmla="val 115811"/>
+              </a:avLst>
+            </a:prstGeom>
+            <a:ln w="12700">
+              <a:solidFill>
+                <a:srgbClr val="199AAE"/>
+              </a:solidFill>
+              <a:tailEnd type="triangle"/>
+            </a:ln>
+          </p:spPr>
+          <p:style>
+            <a:lnRef idx="1">
+              <a:schemeClr val="accent1"/>
+            </a:lnRef>
+            <a:fillRef idx="0">
+              <a:schemeClr val="accent1"/>
+            </a:fillRef>
+            <a:effectRef idx="0">
+              <a:schemeClr val="accent1"/>
+            </a:effectRef>
+            <a:fontRef idx="minor">
+              <a:schemeClr val="tx1"/>
+            </a:fontRef>
+          </p:style>
+        </p:cxnSp>
+        <p:sp>
+          <p:nvSpPr>
+            <p:cNvPr id="13" name="Oval 12">
+              <a:extLst>
+                <a:ext uri="{FF2B5EF4-FFF2-40B4-BE49-F238E27FC236}">
+                  <a16:creationId xmlns:a16="http://schemas.microsoft.com/office/drawing/2014/main" id="{19C36ADE-EC3A-230B-BA17-F92C27A318AA}"/>
+                </a:ext>
+              </a:extLst>
+            </p:cNvPr>
+            <p:cNvSpPr/>
+            <p:nvPr/>
+          </p:nvSpPr>
+          <p:spPr>
+            <a:xfrm>
+              <a:off x="4400731" y="2456947"/>
+              <a:ext cx="264703" cy="267250"/>
+            </a:xfrm>
+            <a:prstGeom prst="ellipse">
+              <a:avLst/>
+            </a:prstGeom>
+          </p:spPr>
+          <p:style>
+            <a:lnRef idx="2">
+              <a:schemeClr val="dk1">
+                <a:shade val="50000"/>
+              </a:schemeClr>
+            </a:lnRef>
+            <a:fillRef idx="1">
+              <a:schemeClr val="dk1"/>
+            </a:fillRef>
+            <a:effectRef idx="0">
+              <a:schemeClr val="dk1"/>
+            </a:effectRef>
+            <a:fontRef idx="minor">
+              <a:schemeClr val="lt1"/>
+            </a:fontRef>
+          </p:style>
+          <p:txBody>
+            <a:bodyPr rtlCol="0" anchor="ctr"/>
+            <a:lstStyle/>
+            <a:p>
+              <a:pPr algn="ctr"/>
+              <a:endParaRPr lang="en-US"/>
+            </a:p>
+          </p:txBody>
+        </p:sp>
+        <p:cxnSp>
+          <p:nvCxnSpPr>
+            <p:cNvPr id="14" name="Straight Connector 13">
+              <a:extLst>
+                <a:ext uri="{FF2B5EF4-FFF2-40B4-BE49-F238E27FC236}">
+                  <a16:creationId xmlns:a16="http://schemas.microsoft.com/office/drawing/2014/main" id="{FE83A74C-CD9E-2206-8E7B-69BE324D1980}"/>
+                </a:ext>
+              </a:extLst>
+            </p:cNvPr>
+            <p:cNvCxnSpPr>
+              <a:cxnSpLocks/>
+            </p:cNvCxnSpPr>
+            <p:nvPr/>
+          </p:nvCxnSpPr>
+          <p:spPr>
+            <a:xfrm>
+              <a:off x="4433786" y="2638626"/>
+              <a:ext cx="115824" cy="0"/>
+            </a:xfrm>
+            <a:prstGeom prst="line">
+              <a:avLst/>
+            </a:prstGeom>
+            <a:ln w="28575">
+              <a:solidFill>
+                <a:schemeClr val="bg1"/>
+              </a:solidFill>
+            </a:ln>
+          </p:spPr>
+          <p:style>
+            <a:lnRef idx="1">
+              <a:schemeClr val="accent1"/>
+            </a:lnRef>
+            <a:fillRef idx="0">
+              <a:schemeClr val="accent1"/>
+            </a:fillRef>
+            <a:effectRef idx="0">
+              <a:schemeClr val="accent1"/>
+            </a:effectRef>
+            <a:fontRef idx="minor">
+              <a:schemeClr val="tx1"/>
+            </a:fontRef>
+          </p:style>
+        </p:cxnSp>
+        <p:cxnSp>
+          <p:nvCxnSpPr>
+            <p:cNvPr id="15" name="Straight Connector 14">
+              <a:extLst>
+                <a:ext uri="{FF2B5EF4-FFF2-40B4-BE49-F238E27FC236}">
+                  <a16:creationId xmlns:a16="http://schemas.microsoft.com/office/drawing/2014/main" id="{FD379C20-335E-8576-C466-413BF87AFB93}"/>
+                </a:ext>
+              </a:extLst>
+            </p:cNvPr>
+            <p:cNvCxnSpPr>
+              <a:cxnSpLocks/>
+            </p:cNvCxnSpPr>
+            <p:nvPr/>
+          </p:nvCxnSpPr>
+          <p:spPr>
+            <a:xfrm flipV="1">
+              <a:off x="4538267" y="2531697"/>
+              <a:ext cx="65636" cy="109203"/>
+            </a:xfrm>
+            <a:prstGeom prst="line">
+              <a:avLst/>
+            </a:prstGeom>
+            <a:ln w="28575">
+              <a:solidFill>
+                <a:schemeClr val="bg1"/>
+              </a:solidFill>
+            </a:ln>
+          </p:spPr>
+          <p:style>
+            <a:lnRef idx="1">
+              <a:schemeClr val="accent1"/>
+            </a:lnRef>
+            <a:fillRef idx="0">
+              <a:schemeClr val="accent1"/>
+            </a:fillRef>
+            <a:effectRef idx="0">
+              <a:schemeClr val="accent1"/>
+            </a:effectRef>
+            <a:fontRef idx="minor">
+              <a:schemeClr val="tx1"/>
+            </a:fontRef>
+          </p:style>
+        </p:cxnSp>
+        <p:sp>
+          <p:nvSpPr>
+            <p:cNvPr id="16" name="Oval 15">
+              <a:extLst>
+                <a:ext uri="{FF2B5EF4-FFF2-40B4-BE49-F238E27FC236}">
+                  <a16:creationId xmlns:a16="http://schemas.microsoft.com/office/drawing/2014/main" id="{750B2F53-4EDC-B966-9FBC-AB3E2E1F95ED}"/>
+                </a:ext>
+              </a:extLst>
+            </p:cNvPr>
+            <p:cNvSpPr/>
+            <p:nvPr/>
+          </p:nvSpPr>
+          <p:spPr>
+            <a:xfrm>
+              <a:off x="4400732" y="3942361"/>
+              <a:ext cx="264703" cy="267250"/>
+            </a:xfrm>
+            <a:prstGeom prst="ellipse">
+              <a:avLst/>
+            </a:prstGeom>
+          </p:spPr>
+          <p:style>
+            <a:lnRef idx="2">
+              <a:schemeClr val="dk1">
+                <a:shade val="50000"/>
+              </a:schemeClr>
+            </a:lnRef>
+            <a:fillRef idx="1">
+              <a:schemeClr val="dk1"/>
+            </a:fillRef>
+            <a:effectRef idx="0">
+              <a:schemeClr val="dk1"/>
+            </a:effectRef>
+            <a:fontRef idx="minor">
+              <a:schemeClr val="lt1"/>
+            </a:fontRef>
+          </p:style>
+          <p:txBody>
+            <a:bodyPr rtlCol="0" anchor="ctr"/>
+            <a:lstStyle/>
+            <a:p>
+              <a:pPr algn="ctr"/>
+              <a:endParaRPr lang="en-US"/>
+            </a:p>
+          </p:txBody>
+        </p:sp>
+        <p:cxnSp>
+          <p:nvCxnSpPr>
+            <p:cNvPr id="17" name="Straight Connector 16">
+              <a:extLst>
+                <a:ext uri="{FF2B5EF4-FFF2-40B4-BE49-F238E27FC236}">
+                  <a16:creationId xmlns:a16="http://schemas.microsoft.com/office/drawing/2014/main" id="{C5068EA4-9326-14A5-3EB6-FE2F2A9E90E7}"/>
+                </a:ext>
+              </a:extLst>
+            </p:cNvPr>
+            <p:cNvCxnSpPr>
+              <a:cxnSpLocks/>
+            </p:cNvCxnSpPr>
+            <p:nvPr/>
+          </p:nvCxnSpPr>
+          <p:spPr>
+            <a:xfrm>
+              <a:off x="4475171" y="4075986"/>
+              <a:ext cx="115824" cy="0"/>
+            </a:xfrm>
+            <a:prstGeom prst="line">
+              <a:avLst/>
+            </a:prstGeom>
+            <a:ln w="28575">
+              <a:solidFill>
+                <a:schemeClr val="bg1"/>
+              </a:solidFill>
+            </a:ln>
+          </p:spPr>
+          <p:style>
+            <a:lnRef idx="1">
+              <a:schemeClr val="accent1"/>
+            </a:lnRef>
+            <a:fillRef idx="0">
+              <a:schemeClr val="accent1"/>
+            </a:fillRef>
+            <a:effectRef idx="0">
+              <a:schemeClr val="accent1"/>
+            </a:effectRef>
+            <a:fontRef idx="minor">
+              <a:schemeClr val="tx1"/>
+            </a:fontRef>
+          </p:style>
+        </p:cxnSp>
+        <p:cxnSp>
+          <p:nvCxnSpPr>
+            <p:cNvPr id="18" name="Straight Connector 17">
+              <a:extLst>
+                <a:ext uri="{FF2B5EF4-FFF2-40B4-BE49-F238E27FC236}">
+                  <a16:creationId xmlns:a16="http://schemas.microsoft.com/office/drawing/2014/main" id="{D03B5C10-EFB8-3EA3-036E-B64C110F6CF6}"/>
+                </a:ext>
+              </a:extLst>
+            </p:cNvPr>
+            <p:cNvCxnSpPr>
+              <a:cxnSpLocks/>
+            </p:cNvCxnSpPr>
+            <p:nvPr/>
+          </p:nvCxnSpPr>
+          <p:spPr>
+            <a:xfrm flipH="1" flipV="1">
+              <a:off x="4534878" y="4001596"/>
+              <a:ext cx="2381" cy="142875"/>
+            </a:xfrm>
+            <a:prstGeom prst="line">
+              <a:avLst/>
+            </a:prstGeom>
+            <a:ln w="28575">
+              <a:solidFill>
+                <a:schemeClr val="bg1"/>
+              </a:solidFill>
+            </a:ln>
+          </p:spPr>
+          <p:style>
+            <a:lnRef idx="1">
+              <a:schemeClr val="accent1"/>
+            </a:lnRef>
+            <a:fillRef idx="0">
+              <a:schemeClr val="accent1"/>
+            </a:fillRef>
+            <a:effectRef idx="0">
+              <a:schemeClr val="accent1"/>
+            </a:effectRef>
+            <a:fontRef idx="minor">
+              <a:schemeClr val="tx1"/>
+            </a:fontRef>
+          </p:style>
+        </p:cxnSp>
+        <p:cxnSp>
+          <p:nvCxnSpPr>
+            <p:cNvPr id="19" name="Straight Connector 18">
+              <a:extLst>
+                <a:ext uri="{FF2B5EF4-FFF2-40B4-BE49-F238E27FC236}">
+                  <a16:creationId xmlns:a16="http://schemas.microsoft.com/office/drawing/2014/main" id="{B754C497-8601-732B-9844-FCBEDDC872C1}"/>
+                </a:ext>
+              </a:extLst>
+            </p:cNvPr>
+            <p:cNvCxnSpPr>
+              <a:cxnSpLocks/>
+            </p:cNvCxnSpPr>
+            <p:nvPr/>
+          </p:nvCxnSpPr>
+          <p:spPr>
+            <a:xfrm flipH="1" flipV="1">
+              <a:off x="1426464" y="2075541"/>
+              <a:ext cx="3466211" cy="6015"/>
+            </a:xfrm>
+            <a:prstGeom prst="line">
+              <a:avLst/>
+            </a:prstGeom>
+            <a:ln w="12700">
+              <a:solidFill>
+                <a:srgbClr val="199AAE"/>
+              </a:solidFill>
+            </a:ln>
+          </p:spPr>
+          <p:style>
+            <a:lnRef idx="1">
+              <a:schemeClr val="accent1"/>
+            </a:lnRef>
+            <a:fillRef idx="0">
+              <a:schemeClr val="accent1"/>
+            </a:fillRef>
+            <a:effectRef idx="0">
+              <a:schemeClr val="accent1"/>
+            </a:effectRef>
+            <a:fontRef idx="minor">
+              <a:schemeClr val="tx1"/>
+            </a:fontRef>
+          </p:style>
+        </p:cxnSp>
+        <p:cxnSp>
+          <p:nvCxnSpPr>
+            <p:cNvPr id="20" name="Straight Connector 19">
+              <a:extLst>
+                <a:ext uri="{FF2B5EF4-FFF2-40B4-BE49-F238E27FC236}">
+                  <a16:creationId xmlns:a16="http://schemas.microsoft.com/office/drawing/2014/main" id="{08C8FFA9-C8E6-F3D7-C585-C9585EF8FC46}"/>
+                </a:ext>
+              </a:extLst>
+            </p:cNvPr>
+            <p:cNvCxnSpPr/>
+            <p:nvPr/>
+          </p:nvCxnSpPr>
+          <p:spPr>
+            <a:xfrm>
+              <a:off x="1426464" y="2075541"/>
+              <a:ext cx="0" cy="333353"/>
+            </a:xfrm>
+            <a:prstGeom prst="line">
+              <a:avLst/>
+            </a:prstGeom>
+            <a:ln w="12700">
+              <a:solidFill>
+                <a:srgbClr val="199AAE"/>
+              </a:solidFill>
+            </a:ln>
+          </p:spPr>
+          <p:style>
+            <a:lnRef idx="1">
+              <a:schemeClr val="accent1"/>
+            </a:lnRef>
+            <a:fillRef idx="0">
+              <a:schemeClr val="accent1"/>
+            </a:fillRef>
+            <a:effectRef idx="0">
+              <a:schemeClr val="accent1"/>
+            </a:effectRef>
+            <a:fontRef idx="minor">
+              <a:schemeClr val="tx1"/>
+            </a:fontRef>
+          </p:style>
+        </p:cxnSp>
+        <p:cxnSp>
+          <p:nvCxnSpPr>
+            <p:cNvPr id="21" name="Straight Arrow Connector 20">
+              <a:extLst>
+                <a:ext uri="{FF2B5EF4-FFF2-40B4-BE49-F238E27FC236}">
+                  <a16:creationId xmlns:a16="http://schemas.microsoft.com/office/drawing/2014/main" id="{77B07D07-E848-CB8E-A91B-7F779211A6A4}"/>
+                </a:ext>
+              </a:extLst>
+            </p:cNvPr>
+            <p:cNvCxnSpPr/>
+            <p:nvPr/>
+          </p:nvCxnSpPr>
+          <p:spPr>
+            <a:xfrm>
+              <a:off x="1426464" y="2408894"/>
+              <a:ext cx="98483" cy="0"/>
+            </a:xfrm>
+            <a:prstGeom prst="straightConnector1">
+              <a:avLst/>
+            </a:prstGeom>
+            <a:ln w="12700">
+              <a:solidFill>
+                <a:srgbClr val="199AAE"/>
+              </a:solidFill>
+              <a:tailEnd type="triangle"/>
+            </a:ln>
+          </p:spPr>
+          <p:style>
+            <a:lnRef idx="1">
+              <a:schemeClr val="accent1"/>
+            </a:lnRef>
+            <a:fillRef idx="0">
+              <a:schemeClr val="accent1"/>
+            </a:fillRef>
+            <a:effectRef idx="0">
+              <a:schemeClr val="accent1"/>
+            </a:effectRef>
+            <a:fontRef idx="minor">
+              <a:schemeClr val="tx1"/>
+            </a:fontRef>
+          </p:style>
+        </p:cxnSp>
+        <p:cxnSp>
+          <p:nvCxnSpPr>
+            <p:cNvPr id="22" name="Straight Arrow Connector 21">
+              <a:extLst>
+                <a:ext uri="{FF2B5EF4-FFF2-40B4-BE49-F238E27FC236}">
+                  <a16:creationId xmlns:a16="http://schemas.microsoft.com/office/drawing/2014/main" id="{2C207F08-5B73-6EEE-125F-0923F3FA1BFC}"/>
+                </a:ext>
+              </a:extLst>
+            </p:cNvPr>
+            <p:cNvCxnSpPr>
+              <a:cxnSpLocks/>
+              <a:endCxn id="13" idx="0"/>
+            </p:cNvCxnSpPr>
+            <p:nvPr/>
+          </p:nvCxnSpPr>
+          <p:spPr>
+            <a:xfrm>
+              <a:off x="4533082" y="2075540"/>
+              <a:ext cx="1" cy="381407"/>
+            </a:xfrm>
+            <a:prstGeom prst="straightConnector1">
+              <a:avLst/>
+            </a:prstGeom>
+            <a:ln w="12700">
+              <a:solidFill>
+                <a:srgbClr val="199AAE"/>
+              </a:solidFill>
+              <a:tailEnd type="triangle"/>
+            </a:ln>
+          </p:spPr>
+          <p:style>
+            <a:lnRef idx="1">
+              <a:schemeClr val="accent1"/>
+            </a:lnRef>
+            <a:fillRef idx="0">
+              <a:schemeClr val="accent1"/>
+            </a:fillRef>
+            <a:effectRef idx="0">
+              <a:schemeClr val="accent1"/>
+            </a:effectRef>
+            <a:fontRef idx="minor">
+              <a:schemeClr val="tx1"/>
+            </a:fontRef>
+          </p:style>
+        </p:cxnSp>
+        <p:cxnSp>
+          <p:nvCxnSpPr>
+            <p:cNvPr id="23" name="Straight Arrow Connector 22">
+              <a:extLst>
+                <a:ext uri="{FF2B5EF4-FFF2-40B4-BE49-F238E27FC236}">
+                  <a16:creationId xmlns:a16="http://schemas.microsoft.com/office/drawing/2014/main" id="{93E061A4-AD73-1D3C-5EF2-548F8A48C1D8}"/>
+                </a:ext>
+              </a:extLst>
+            </p:cNvPr>
+            <p:cNvCxnSpPr>
+              <a:cxnSpLocks/>
+              <a:stCxn id="13" idx="4"/>
+              <a:endCxn id="16" idx="0"/>
+            </p:cNvCxnSpPr>
+            <p:nvPr/>
+          </p:nvCxnSpPr>
+          <p:spPr>
+            <a:xfrm>
+              <a:off x="4533083" y="2724197"/>
+              <a:ext cx="1" cy="1218164"/>
+            </a:xfrm>
+            <a:prstGeom prst="straightConnector1">
+              <a:avLst/>
+            </a:prstGeom>
+            <a:ln w="12700">
+              <a:solidFill>
+                <a:srgbClr val="F76A6F"/>
+              </a:solidFill>
+              <a:tailEnd type="triangle"/>
+            </a:ln>
+          </p:spPr>
+          <p:style>
+            <a:lnRef idx="1">
+              <a:schemeClr val="accent1"/>
+            </a:lnRef>
+            <a:fillRef idx="0">
+              <a:schemeClr val="accent1"/>
+            </a:fillRef>
+            <a:effectRef idx="0">
+              <a:schemeClr val="accent1"/>
+            </a:effectRef>
+            <a:fontRef idx="minor">
+              <a:schemeClr val="tx1"/>
+            </a:fontRef>
+          </p:style>
+        </p:cxnSp>
+        <p:cxnSp>
+          <p:nvCxnSpPr>
+            <p:cNvPr id="24" name="Straight Arrow Connector 23">
+              <a:extLst>
+                <a:ext uri="{FF2B5EF4-FFF2-40B4-BE49-F238E27FC236}">
+                  <a16:creationId xmlns:a16="http://schemas.microsoft.com/office/drawing/2014/main" id="{8C0F07FF-D22D-2211-BFE7-F7001D5F5C5F}"/>
+                </a:ext>
+              </a:extLst>
+            </p:cNvPr>
+            <p:cNvCxnSpPr>
+              <a:stCxn id="8" idx="3"/>
+              <a:endCxn id="13" idx="2"/>
+            </p:cNvCxnSpPr>
+            <p:nvPr/>
+          </p:nvCxnSpPr>
+          <p:spPr>
+            <a:xfrm flipV="1">
+              <a:off x="3201347" y="2590572"/>
+              <a:ext cx="1199384" cy="1"/>
+            </a:xfrm>
+            <a:prstGeom prst="straightConnector1">
+              <a:avLst/>
+            </a:prstGeom>
+            <a:ln w="12700">
+              <a:solidFill>
+                <a:srgbClr val="F76A6F"/>
+              </a:solidFill>
+              <a:tailEnd type="triangle"/>
+            </a:ln>
+          </p:spPr>
+          <p:style>
+            <a:lnRef idx="1">
+              <a:schemeClr val="accent1"/>
+            </a:lnRef>
+            <a:fillRef idx="0">
+              <a:schemeClr val="accent1"/>
+            </a:fillRef>
+            <a:effectRef idx="0">
+              <a:schemeClr val="accent1"/>
+            </a:effectRef>
+            <a:fontRef idx="minor">
+              <a:schemeClr val="tx1"/>
+            </a:fontRef>
+          </p:style>
+        </p:cxnSp>
+        <p:cxnSp>
+          <p:nvCxnSpPr>
+            <p:cNvPr id="25" name="Straight Arrow Connector 24">
+              <a:extLst>
+                <a:ext uri="{FF2B5EF4-FFF2-40B4-BE49-F238E27FC236}">
+                  <a16:creationId xmlns:a16="http://schemas.microsoft.com/office/drawing/2014/main" id="{D15FF1BC-6649-21B0-C6B2-22319DB8B56B}"/>
+                </a:ext>
+              </a:extLst>
+            </p:cNvPr>
+            <p:cNvCxnSpPr>
+              <a:cxnSpLocks/>
+              <a:stCxn id="16" idx="2"/>
+              <a:endCxn id="9" idx="3"/>
+            </p:cNvCxnSpPr>
+            <p:nvPr/>
+          </p:nvCxnSpPr>
+          <p:spPr>
+            <a:xfrm flipH="1">
+              <a:off x="3201347" y="4075986"/>
+              <a:ext cx="1199385" cy="8033"/>
+            </a:xfrm>
+            <a:prstGeom prst="straightConnector1">
+              <a:avLst/>
+            </a:prstGeom>
+            <a:ln w="12700">
+              <a:solidFill>
+                <a:schemeClr val="tx1"/>
+              </a:solidFill>
+              <a:tailEnd type="triangle"/>
+            </a:ln>
+          </p:spPr>
+          <p:style>
+            <a:lnRef idx="1">
+              <a:schemeClr val="accent1"/>
+            </a:lnRef>
+            <a:fillRef idx="0">
+              <a:schemeClr val="accent1"/>
+            </a:fillRef>
+            <a:effectRef idx="0">
+              <a:schemeClr val="accent1"/>
+            </a:effectRef>
+            <a:fontRef idx="minor">
+              <a:schemeClr val="tx1"/>
+            </a:fontRef>
+          </p:style>
+        </p:cxnSp>
+        <p:sp>
+          <p:nvSpPr>
+            <p:cNvPr id="26" name="TextBox 25">
+              <a:extLst>
+                <a:ext uri="{FF2B5EF4-FFF2-40B4-BE49-F238E27FC236}">
+                  <a16:creationId xmlns:a16="http://schemas.microsoft.com/office/drawing/2014/main" id="{755CC461-33E7-73F6-8D35-D1F0C7D287C1}"/>
+                </a:ext>
+              </a:extLst>
+            </p:cNvPr>
+            <p:cNvSpPr txBox="1"/>
+            <p:nvPr/>
+          </p:nvSpPr>
+          <p:spPr>
+            <a:xfrm>
+              <a:off x="3231827" y="1292462"/>
+              <a:ext cx="1388148" cy="523220"/>
+            </a:xfrm>
+            <a:prstGeom prst="rect">
+              <a:avLst/>
+            </a:prstGeom>
+            <a:noFill/>
+          </p:spPr>
+          <p:txBody>
+            <a:bodyPr wrap="square" rtlCol="0">
+              <a:spAutoFit/>
+            </a:bodyPr>
+            <a:lstStyle/>
+            <a:p>
+              <a:r>
+                <a:rPr lang="en-US" sz="1400" b="1" dirty="0"/>
+                <a:t>Slow, Long Action</a:t>
+              </a:r>
+            </a:p>
+          </p:txBody>
+        </p:sp>
+        <p:sp>
+          <p:nvSpPr>
+            <p:cNvPr id="27" name="TextBox 26">
+              <a:extLst>
+                <a:ext uri="{FF2B5EF4-FFF2-40B4-BE49-F238E27FC236}">
+                  <a16:creationId xmlns:a16="http://schemas.microsoft.com/office/drawing/2014/main" id="{A1285CFF-6531-E0F1-1DBF-F3D2F839F850}"/>
+                </a:ext>
+              </a:extLst>
+            </p:cNvPr>
+            <p:cNvSpPr txBox="1"/>
+            <p:nvPr/>
+          </p:nvSpPr>
+          <p:spPr>
+            <a:xfrm>
+              <a:off x="3177121" y="2336174"/>
+              <a:ext cx="1388148" cy="523220"/>
+            </a:xfrm>
+            <a:prstGeom prst="rect">
+              <a:avLst/>
+            </a:prstGeom>
+            <a:noFill/>
+          </p:spPr>
+          <p:txBody>
+            <a:bodyPr wrap="square" rtlCol="0">
+              <a:spAutoFit/>
+            </a:bodyPr>
+            <a:lstStyle/>
+            <a:p>
+              <a:r>
+                <a:rPr lang="en-US" sz="1400" b="1" dirty="0"/>
+                <a:t>Short, Fast</a:t>
+              </a:r>
+            </a:p>
+            <a:p>
+              <a:r>
+                <a:rPr lang="en-US" sz="1400" b="1" dirty="0"/>
+                <a:t>Action</a:t>
+              </a:r>
+            </a:p>
+          </p:txBody>
+        </p:sp>
+        <p:sp>
+          <p:nvSpPr>
+            <p:cNvPr id="28" name="TextBox 27">
+              <a:extLst>
+                <a:ext uri="{FF2B5EF4-FFF2-40B4-BE49-F238E27FC236}">
+                  <a16:creationId xmlns:a16="http://schemas.microsoft.com/office/drawing/2014/main" id="{52C1EFC9-3293-2570-4331-27EA5CFE66CD}"/>
+                </a:ext>
+              </a:extLst>
+            </p:cNvPr>
+            <p:cNvSpPr txBox="1"/>
+            <p:nvPr/>
+          </p:nvSpPr>
+          <p:spPr>
+            <a:xfrm>
+              <a:off x="3275034" y="3818392"/>
+              <a:ext cx="1388148" cy="523220"/>
+            </a:xfrm>
+            <a:prstGeom prst="rect">
+              <a:avLst/>
+            </a:prstGeom>
+            <a:noFill/>
+          </p:spPr>
+          <p:txBody>
+            <a:bodyPr wrap="square" rtlCol="0">
+              <a:spAutoFit/>
+            </a:bodyPr>
+            <a:lstStyle/>
+            <a:p>
+              <a:r>
+                <a:rPr lang="en-US" sz="1400" b="1" dirty="0"/>
+                <a:t>Combined</a:t>
+              </a:r>
+            </a:p>
+            <a:p>
+              <a:r>
+                <a:rPr lang="en-US" sz="1400" b="1" dirty="0"/>
+                <a:t>Action</a:t>
+              </a:r>
+            </a:p>
+          </p:txBody>
+        </p:sp>
+        <p:sp>
+          <p:nvSpPr>
+            <p:cNvPr id="29" name="TextBox 28">
+              <a:extLst>
+                <a:ext uri="{FF2B5EF4-FFF2-40B4-BE49-F238E27FC236}">
+                  <a16:creationId xmlns:a16="http://schemas.microsoft.com/office/drawing/2014/main" id="{AE1068B2-CA7E-1D85-FF1B-C37B1CCF97CC}"/>
+                </a:ext>
+              </a:extLst>
+            </p:cNvPr>
+            <p:cNvSpPr txBox="1"/>
+            <p:nvPr/>
+          </p:nvSpPr>
+          <p:spPr>
+            <a:xfrm>
+              <a:off x="835152" y="2960558"/>
+              <a:ext cx="779338" cy="369332"/>
+            </a:xfrm>
+            <a:prstGeom prst="rect">
+              <a:avLst/>
+            </a:prstGeom>
+            <a:noFill/>
+          </p:spPr>
+          <p:txBody>
+            <a:bodyPr wrap="square" rtlCol="0">
+              <a:spAutoFit/>
+            </a:bodyPr>
+            <a:lstStyle/>
+            <a:p>
+              <a:endParaRPr lang="en-US" dirty="0"/>
+            </a:p>
+          </p:txBody>
+        </p:sp>
+        <p:sp>
+          <p:nvSpPr>
+            <p:cNvPr id="30" name="TextBox 29">
+              <a:extLst>
+                <a:ext uri="{FF2B5EF4-FFF2-40B4-BE49-F238E27FC236}">
+                  <a16:creationId xmlns:a16="http://schemas.microsoft.com/office/drawing/2014/main" id="{AAD3A810-B3B8-B78B-D687-5A6489B9E60A}"/>
+                </a:ext>
+              </a:extLst>
+            </p:cNvPr>
+            <p:cNvSpPr txBox="1"/>
+            <p:nvPr/>
+          </p:nvSpPr>
+          <p:spPr>
+            <a:xfrm rot="16200000">
+              <a:off x="453333" y="3082678"/>
+              <a:ext cx="1388148" cy="307777"/>
+            </a:xfrm>
+            <a:prstGeom prst="rect">
+              <a:avLst/>
+            </a:prstGeom>
+            <a:noFill/>
+          </p:spPr>
+          <p:txBody>
+            <a:bodyPr wrap="square" rtlCol="0">
+              <a:spAutoFit/>
+            </a:bodyPr>
+            <a:lstStyle/>
+            <a:p>
+              <a:r>
+                <a:rPr lang="en-US" sz="1400" b="1" dirty="0"/>
+                <a:t>Observation</a:t>
+              </a:r>
+            </a:p>
+          </p:txBody>
+        </p:sp>
+      </p:grpSp>
+      <p:cxnSp>
+        <p:nvCxnSpPr>
+          <p:cNvPr id="35" name="Straight Connector 34">
+            <a:extLst>
+              <a:ext uri="{FF2B5EF4-FFF2-40B4-BE49-F238E27FC236}">
+                <a16:creationId xmlns:a16="http://schemas.microsoft.com/office/drawing/2014/main" id="{3FB51CDE-2A19-4447-AB0E-373FE9B6B048}"/>
+              </a:ext>
+            </a:extLst>
+          </p:cNvPr>
+          <p:cNvCxnSpPr/>
+          <p:nvPr/>
+        </p:nvCxnSpPr>
+        <p:spPr>
+          <a:xfrm flipH="1" flipV="1">
+            <a:off x="2081463" y="3140242"/>
+            <a:ext cx="1901566" cy="331467"/>
+          </a:xfrm>
+          <a:prstGeom prst="line">
+            <a:avLst/>
+          </a:prstGeom>
+        </p:spPr>
+        <p:style>
+          <a:lnRef idx="1">
+            <a:schemeClr val="dk1"/>
+          </a:lnRef>
+          <a:fillRef idx="0">
+            <a:schemeClr val="dk1"/>
+          </a:fillRef>
+          <a:effectRef idx="0">
+            <a:schemeClr val="dk1"/>
+          </a:effectRef>
+          <a:fontRef idx="minor">
+            <a:schemeClr val="tx1"/>
+          </a:fontRef>
+        </p:style>
+      </p:cxnSp>
+      <p:sp>
+        <p:nvSpPr>
+          <p:cNvPr id="38" name="TextBox 37">
+            <a:extLst>
+              <a:ext uri="{FF2B5EF4-FFF2-40B4-BE49-F238E27FC236}">
+                <a16:creationId xmlns:a16="http://schemas.microsoft.com/office/drawing/2014/main" id="{BD63FCF2-6CAC-79E5-B6A4-D5E7727B31B2}"/>
+              </a:ext>
+            </a:extLst>
+          </p:cNvPr>
+          <p:cNvSpPr txBox="1"/>
+          <p:nvPr/>
+        </p:nvSpPr>
+        <p:spPr>
+          <a:xfrm>
+            <a:off x="450407" y="1736314"/>
+            <a:ext cx="1814104" cy="3139321"/>
+          </a:xfrm>
+          <a:prstGeom prst="rect">
+            <a:avLst/>
+          </a:prstGeom>
+          <a:noFill/>
+        </p:spPr>
+        <p:txBody>
+          <a:bodyPr wrap="square" rtlCol="0">
+            <a:spAutoFit/>
+          </a:bodyPr>
+          <a:lstStyle/>
+          <a:p>
+            <a:r>
+              <a:rPr lang="en-US" dirty="0"/>
+              <a:t>This policy can be more difficult or easy depending on conditions. But under some conditions imposed by the parent policy, we can prove convergence? </a:t>
+            </a:r>
+          </a:p>
+        </p:txBody>
+      </p:sp>
+    </p:spTree>
+    <p:extLst>
+      <p:ext uri="{BB962C8B-B14F-4D97-AF65-F5344CB8AC3E}">
+        <p14:creationId xmlns:p14="http://schemas.microsoft.com/office/powerpoint/2010/main" val="1960584279"/>
+      </p:ext>
+    </p:extLst>
+  </p:cSld>
+  <p:clrMapOvr>
+    <a:masterClrMapping/>
+  </p:clrMapOvr>
+</p:sld>
+</file>
+
+<file path=ppt/slides/slide5.xml><?xml version="1.0" encoding="utf-8"?>
+<p:sld xmlns:a="http://schemas.openxmlformats.org/drawingml/2006/main" xmlns:r="http://schemas.openxmlformats.org/officeDocument/2006/relationships" xmlns:p="http://schemas.openxmlformats.org/presentationml/2006/main">
+  <p:cSld>
+    <p:spTree>
+      <p:nvGrpSpPr>
+        <p:cNvPr id="1" name=""/>
+        <p:cNvGrpSpPr/>
+        <p:nvPr/>
+      </p:nvGrpSpPr>
+      <p:grpSpPr>
+        <a:xfrm>
+          <a:off x="0" y="0"/>
+          <a:ext cx="0" cy="0"/>
+          <a:chOff x="0" y="0"/>
+          <a:chExt cx="0" cy="0"/>
+        </a:xfrm>
+      </p:grpSpPr>
+      <p:sp>
+        <p:nvSpPr>
+          <p:cNvPr id="2" name="Title 1">
+            <a:extLst>
+              <a:ext uri="{FF2B5EF4-FFF2-40B4-BE49-F238E27FC236}">
+                <a16:creationId xmlns:a16="http://schemas.microsoft.com/office/drawing/2014/main" id="{8CADD273-AE5A-6EB4-0B7D-E2DF1DA5C58D}"/>
+              </a:ext>
+            </a:extLst>
+          </p:cNvPr>
+          <p:cNvSpPr>
+            <a:spLocks noGrp="1"/>
+          </p:cNvSpPr>
+          <p:nvPr>
+            <p:ph type="title"/>
+          </p:nvPr>
+        </p:nvSpPr>
+        <p:spPr/>
+        <p:txBody>
+          <a:bodyPr/>
+          <a:lstStyle/>
+          <a:p>
+            <a:r>
+              <a:rPr lang="en-US" dirty="0"/>
+              <a:t>Better Convergence</a:t>
+            </a:r>
+          </a:p>
+        </p:txBody>
+      </p:sp>
+      <p:grpSp>
+        <p:nvGrpSpPr>
+          <p:cNvPr id="4" name="Group 3">
+            <a:extLst>
+              <a:ext uri="{FF2B5EF4-FFF2-40B4-BE49-F238E27FC236}">
+                <a16:creationId xmlns:a16="http://schemas.microsoft.com/office/drawing/2014/main" id="{399EF3BD-A1DB-2A24-77C4-5A900360E930}"/>
+              </a:ext>
+            </a:extLst>
+          </p:cNvPr>
+          <p:cNvGrpSpPr/>
+          <p:nvPr/>
+        </p:nvGrpSpPr>
+        <p:grpSpPr>
+          <a:xfrm>
+            <a:off x="2300052" y="1696889"/>
+            <a:ext cx="6783016" cy="4239015"/>
+            <a:chOff x="722812" y="21706027"/>
+            <a:chExt cx="17505598" cy="10940043"/>
+          </a:xfrm>
+        </p:grpSpPr>
+        <p:pic>
+          <p:nvPicPr>
+            <p:cNvPr id="6" name="Picture 5" descr="Chart, box and whisker chart&#10;&#10;Description automatically generated">
+              <a:extLst>
+                <a:ext uri="{FF2B5EF4-FFF2-40B4-BE49-F238E27FC236}">
+                  <a16:creationId xmlns:a16="http://schemas.microsoft.com/office/drawing/2014/main" id="{B5F22F45-EEE4-58E6-0E12-1344FAB06E80}"/>
+                </a:ext>
+              </a:extLst>
+            </p:cNvPr>
+            <p:cNvPicPr>
+              <a:picLocks noChangeAspect="1"/>
+            </p:cNvPicPr>
+            <p:nvPr/>
+          </p:nvPicPr>
+          <p:blipFill>
+            <a:blip r:embed="rId2">
+              <a:extLst>
+                <a:ext uri="{28A0092B-C50C-407E-A947-70E740481C1C}">
+                  <a14:useLocalDpi xmlns:a14="http://schemas.microsoft.com/office/drawing/2010/main" val="0"/>
+                </a:ext>
+              </a:extLst>
+            </a:blip>
+            <a:stretch>
+              <a:fillRect/>
+            </a:stretch>
+          </p:blipFill>
+          <p:spPr>
+            <a:xfrm>
+              <a:off x="9793681" y="21706028"/>
+              <a:ext cx="8434729" cy="5059729"/>
+            </a:xfrm>
+            <a:prstGeom prst="rect">
+              <a:avLst/>
+            </a:prstGeom>
+          </p:spPr>
+        </p:pic>
+        <p:pic>
+          <p:nvPicPr>
+            <p:cNvPr id="7" name="Picture 6" descr="Chart, box and whisker chart&#10;&#10;Description automatically generated">
+              <a:extLst>
+                <a:ext uri="{FF2B5EF4-FFF2-40B4-BE49-F238E27FC236}">
+                  <a16:creationId xmlns:a16="http://schemas.microsoft.com/office/drawing/2014/main" id="{B4F7538E-3F44-D1EA-A028-F1B4A1D60985}"/>
+                </a:ext>
+              </a:extLst>
+            </p:cNvPr>
+            <p:cNvPicPr>
+              <a:picLocks noChangeAspect="1"/>
+            </p:cNvPicPr>
+            <p:nvPr/>
+          </p:nvPicPr>
+          <p:blipFill>
+            <a:blip r:embed="rId3">
+              <a:extLst>
+                <a:ext uri="{28A0092B-C50C-407E-A947-70E740481C1C}">
+                  <a14:useLocalDpi xmlns:a14="http://schemas.microsoft.com/office/drawing/2010/main" val="0"/>
+                </a:ext>
+              </a:extLst>
+            </a:blip>
+            <a:stretch>
+              <a:fillRect/>
+            </a:stretch>
+          </p:blipFill>
+          <p:spPr>
+            <a:xfrm>
+              <a:off x="759662" y="21706027"/>
+              <a:ext cx="8434729" cy="5059729"/>
+            </a:xfrm>
+            <a:prstGeom prst="rect">
+              <a:avLst/>
+            </a:prstGeom>
+          </p:spPr>
+        </p:pic>
+        <p:pic>
+          <p:nvPicPr>
+            <p:cNvPr id="8" name="Picture 7" descr="Chart&#10;&#10;Description automatically generated">
+              <a:extLst>
+                <a:ext uri="{FF2B5EF4-FFF2-40B4-BE49-F238E27FC236}">
+                  <a16:creationId xmlns:a16="http://schemas.microsoft.com/office/drawing/2014/main" id="{20DC0AB2-5840-FA6B-3A10-585605DA67AB}"/>
+                </a:ext>
+              </a:extLst>
+            </p:cNvPr>
+            <p:cNvPicPr>
+              <a:picLocks noChangeAspect="1"/>
+            </p:cNvPicPr>
+            <p:nvPr/>
+          </p:nvPicPr>
+          <p:blipFill>
+            <a:blip r:embed="rId4">
+              <a:extLst>
+                <a:ext uri="{28A0092B-C50C-407E-A947-70E740481C1C}">
+                  <a14:useLocalDpi xmlns:a14="http://schemas.microsoft.com/office/drawing/2010/main" val="0"/>
+                </a:ext>
+              </a:extLst>
+            </a:blip>
+            <a:stretch>
+              <a:fillRect/>
+            </a:stretch>
+          </p:blipFill>
+          <p:spPr>
+            <a:xfrm>
+              <a:off x="9793681" y="27586340"/>
+              <a:ext cx="8434729" cy="5059729"/>
+            </a:xfrm>
+            <a:prstGeom prst="rect">
+              <a:avLst/>
+            </a:prstGeom>
+          </p:spPr>
+        </p:pic>
+        <p:pic>
+          <p:nvPicPr>
+            <p:cNvPr id="9" name="Picture 8" descr="Chart, line chart&#10;&#10;Description automatically generated">
+              <a:extLst>
+                <a:ext uri="{FF2B5EF4-FFF2-40B4-BE49-F238E27FC236}">
+                  <a16:creationId xmlns:a16="http://schemas.microsoft.com/office/drawing/2014/main" id="{046BB253-9D84-9C2C-7874-326B047915D4}"/>
+                </a:ext>
+              </a:extLst>
+            </p:cNvPr>
+            <p:cNvPicPr>
+              <a:picLocks noChangeAspect="1"/>
+            </p:cNvPicPr>
+            <p:nvPr/>
+          </p:nvPicPr>
+          <p:blipFill>
+            <a:blip r:embed="rId5">
+              <a:extLst>
+                <a:ext uri="{28A0092B-C50C-407E-A947-70E740481C1C}">
+                  <a14:useLocalDpi xmlns:a14="http://schemas.microsoft.com/office/drawing/2010/main" val="0"/>
+                </a:ext>
+              </a:extLst>
+            </a:blip>
+            <a:stretch>
+              <a:fillRect/>
+            </a:stretch>
+          </p:blipFill>
+          <p:spPr>
+            <a:xfrm>
+              <a:off x="722812" y="27586341"/>
+              <a:ext cx="8434729" cy="5059729"/>
+            </a:xfrm>
+            <a:prstGeom prst="rect">
+              <a:avLst/>
+            </a:prstGeom>
+          </p:spPr>
+        </p:pic>
+      </p:grpSp>
+    </p:spTree>
+    <p:extLst>
+      <p:ext uri="{BB962C8B-B14F-4D97-AF65-F5344CB8AC3E}">
+        <p14:creationId xmlns:p14="http://schemas.microsoft.com/office/powerpoint/2010/main" val="375225186"/>
+      </p:ext>
+    </p:extLst>
+  </p:cSld>
+  <p:clrMapOvr>
+    <a:masterClrMapping/>
+  </p:clrMapOvr>
+</p:sld>
+</file>
+
+<file path=ppt/slides/slide6.xml><?xml version="1.0" encoding="utf-8"?>
+<p:sld xmlns:a="http://schemas.openxmlformats.org/drawingml/2006/main" xmlns:r="http://schemas.openxmlformats.org/officeDocument/2006/relationships" xmlns:p="http://schemas.openxmlformats.org/presentationml/2006/main">
+  <p:cSld>
+    <p:spTree>
+      <p:nvGrpSpPr>
+        <p:cNvPr id="1" name=""/>
+        <p:cNvGrpSpPr/>
+        <p:nvPr/>
+      </p:nvGrpSpPr>
+      <p:grpSpPr>
+        <a:xfrm>
+          <a:off x="0" y="0"/>
+          <a:ext cx="0" cy="0"/>
+          <a:chOff x="0" y="0"/>
+          <a:chExt cx="0" cy="0"/>
+        </a:xfrm>
+      </p:grpSpPr>
+      <p:sp>
+        <p:nvSpPr>
+          <p:cNvPr id="2" name="Title 1">
+            <a:extLst>
+              <a:ext uri="{FF2B5EF4-FFF2-40B4-BE49-F238E27FC236}">
+                <a16:creationId xmlns:a16="http://schemas.microsoft.com/office/drawing/2014/main" id="{227B2332-DDD4-7B19-2F8E-1402A7C287A9}"/>
+              </a:ext>
+            </a:extLst>
+          </p:cNvPr>
+          <p:cNvSpPr>
+            <a:spLocks noGrp="1"/>
+          </p:cNvSpPr>
+          <p:nvPr>
+            <p:ph type="title"/>
+          </p:nvPr>
+        </p:nvSpPr>
+        <p:spPr/>
+        <p:txBody>
+          <a:bodyPr/>
+          <a:lstStyle/>
+          <a:p>
+            <a:r>
+              <a:rPr lang="en-US" dirty="0"/>
+              <a:t>Control Theory Math?</a:t>
+            </a:r>
+          </a:p>
+        </p:txBody>
+      </p:sp>
+      <p:grpSp>
+        <p:nvGrpSpPr>
+          <p:cNvPr id="4" name="Group 3">
+            <a:extLst>
+              <a:ext uri="{FF2B5EF4-FFF2-40B4-BE49-F238E27FC236}">
+                <a16:creationId xmlns:a16="http://schemas.microsoft.com/office/drawing/2014/main" id="{5DFB5A16-3743-AECD-6F75-757968E39559}"/>
+              </a:ext>
+            </a:extLst>
+          </p:cNvPr>
+          <p:cNvGrpSpPr/>
+          <p:nvPr/>
+        </p:nvGrpSpPr>
+        <p:grpSpPr>
+          <a:xfrm>
+            <a:off x="3338836" y="2293126"/>
+            <a:ext cx="3820233" cy="3089515"/>
+            <a:chOff x="835152" y="1261759"/>
+            <a:chExt cx="4057523" cy="3133041"/>
+          </a:xfrm>
+        </p:grpSpPr>
+        <p:sp>
+          <p:nvSpPr>
+            <p:cNvPr id="5" name="Rectangle 4">
+              <a:extLst>
+                <a:ext uri="{FF2B5EF4-FFF2-40B4-BE49-F238E27FC236}">
+                  <a16:creationId xmlns:a16="http://schemas.microsoft.com/office/drawing/2014/main" id="{70BA6E41-07C1-4F66-94C6-E7BB7BFC8CEE}"/>
+                </a:ext>
+              </a:extLst>
+            </p:cNvPr>
+            <p:cNvSpPr/>
+            <p:nvPr/>
+          </p:nvSpPr>
+          <p:spPr>
+            <a:xfrm>
+              <a:off x="1524947" y="1261759"/>
+              <a:ext cx="1694688" cy="621563"/>
+            </a:xfrm>
+            <a:prstGeom prst="rect">
+              <a:avLst/>
+            </a:prstGeom>
+            <a:solidFill>
+              <a:srgbClr val="199AAE"/>
+            </a:solidFill>
+            <a:ln>
+              <a:solidFill>
+                <a:srgbClr val="199AAE"/>
+              </a:solidFill>
+            </a:ln>
+          </p:spPr>
+          <p:style>
+            <a:lnRef idx="2">
+              <a:schemeClr val="accent1">
+                <a:shade val="50000"/>
+              </a:schemeClr>
+            </a:lnRef>
+            <a:fillRef idx="1">
+              <a:schemeClr val="accent1"/>
+            </a:fillRef>
+            <a:effectRef idx="0">
+              <a:schemeClr val="accent1"/>
+            </a:effectRef>
+            <a:fontRef idx="minor">
+              <a:schemeClr val="lt1"/>
+            </a:fontRef>
+          </p:style>
+          <p:txBody>
+            <a:bodyPr rtlCol="0" anchor="ctr"/>
+            <a:lstStyle/>
+            <a:p>
+              <a:pPr algn="ctr"/>
+              <a:r>
+                <a:rPr lang="en-US" dirty="0"/>
+                <a:t>Slow Controller</a:t>
+              </a:r>
+            </a:p>
+          </p:txBody>
+        </p:sp>
+        <p:sp>
+          <p:nvSpPr>
+            <p:cNvPr id="6" name="Rectangle 5">
+              <a:extLst>
+                <a:ext uri="{FF2B5EF4-FFF2-40B4-BE49-F238E27FC236}">
+                  <a16:creationId xmlns:a16="http://schemas.microsoft.com/office/drawing/2014/main" id="{5B40269A-E383-706A-6C47-BE5DC4E59467}"/>
+                </a:ext>
+              </a:extLst>
+            </p:cNvPr>
+            <p:cNvSpPr/>
+            <p:nvPr/>
+          </p:nvSpPr>
+          <p:spPr>
+            <a:xfrm>
+              <a:off x="1506659" y="2279791"/>
+              <a:ext cx="1694688" cy="621563"/>
+            </a:xfrm>
+            <a:prstGeom prst="rect">
+              <a:avLst/>
+            </a:prstGeom>
+            <a:solidFill>
+              <a:srgbClr val="F76A6F"/>
+            </a:solidFill>
+            <a:ln>
+              <a:solidFill>
+                <a:srgbClr val="F76A6F"/>
+              </a:solidFill>
+            </a:ln>
+          </p:spPr>
+          <p:style>
+            <a:lnRef idx="2">
+              <a:schemeClr val="accent1">
+                <a:shade val="50000"/>
+              </a:schemeClr>
+            </a:lnRef>
+            <a:fillRef idx="1">
+              <a:schemeClr val="accent1"/>
+            </a:fillRef>
+            <a:effectRef idx="0">
+              <a:schemeClr val="accent1"/>
+            </a:effectRef>
+            <a:fontRef idx="minor">
+              <a:schemeClr val="lt1"/>
+            </a:fontRef>
+          </p:style>
+          <p:txBody>
+            <a:bodyPr rtlCol="0" anchor="ctr"/>
+            <a:lstStyle/>
+            <a:p>
+              <a:pPr algn="ctr"/>
+              <a:r>
+                <a:rPr lang="en-US" dirty="0"/>
+                <a:t>Fast Controller</a:t>
+              </a:r>
+            </a:p>
+          </p:txBody>
+        </p:sp>
+        <p:sp>
+          <p:nvSpPr>
+            <p:cNvPr id="7" name="Rectangle 6">
+              <a:extLst>
+                <a:ext uri="{FF2B5EF4-FFF2-40B4-BE49-F238E27FC236}">
+                  <a16:creationId xmlns:a16="http://schemas.microsoft.com/office/drawing/2014/main" id="{89A014E8-311E-5549-8783-69AC83F4AD0D}"/>
+                </a:ext>
+              </a:extLst>
+            </p:cNvPr>
+            <p:cNvSpPr/>
+            <p:nvPr/>
+          </p:nvSpPr>
+          <p:spPr>
+            <a:xfrm>
+              <a:off x="1506659" y="3773237"/>
+              <a:ext cx="1694688" cy="621563"/>
+            </a:xfrm>
+            <a:prstGeom prst="rect">
+              <a:avLst/>
+            </a:prstGeom>
+            <a:solidFill>
+              <a:srgbClr val="FFBC44"/>
+            </a:solidFill>
+            <a:ln>
+              <a:solidFill>
+                <a:srgbClr val="FFBC44"/>
+              </a:solidFill>
+            </a:ln>
+          </p:spPr>
+          <p:style>
+            <a:lnRef idx="2">
+              <a:schemeClr val="accent1">
+                <a:shade val="50000"/>
+              </a:schemeClr>
+            </a:lnRef>
+            <a:fillRef idx="1">
+              <a:schemeClr val="accent1"/>
+            </a:fillRef>
+            <a:effectRef idx="0">
+              <a:schemeClr val="accent1"/>
+            </a:effectRef>
+            <a:fontRef idx="minor">
+              <a:schemeClr val="lt1"/>
+            </a:fontRef>
+          </p:style>
+          <p:txBody>
+            <a:bodyPr rtlCol="0" anchor="ctr"/>
+            <a:lstStyle/>
+            <a:p>
+              <a:pPr algn="ctr"/>
+              <a:r>
+                <a:rPr lang="en-US" dirty="0"/>
+                <a:t>Environment</a:t>
+              </a:r>
+            </a:p>
+          </p:txBody>
+        </p:sp>
+        <p:cxnSp>
+          <p:nvCxnSpPr>
+            <p:cNvPr id="8" name="Connector: Elbow 7">
+              <a:extLst>
+                <a:ext uri="{FF2B5EF4-FFF2-40B4-BE49-F238E27FC236}">
+                  <a16:creationId xmlns:a16="http://schemas.microsoft.com/office/drawing/2014/main" id="{0A53583C-826F-986B-541C-5BBF2CACC813}"/>
+                </a:ext>
+              </a:extLst>
+            </p:cNvPr>
+            <p:cNvCxnSpPr>
+              <a:stCxn id="7" idx="1"/>
+              <a:endCxn id="5" idx="1"/>
+            </p:cNvCxnSpPr>
+            <p:nvPr/>
+          </p:nvCxnSpPr>
+          <p:spPr>
+            <a:xfrm rot="10800000" flipH="1">
+              <a:off x="1506659" y="1572541"/>
+              <a:ext cx="18288" cy="2511478"/>
+            </a:xfrm>
+            <a:prstGeom prst="bentConnector3">
+              <a:avLst>
+                <a:gd name="adj1" fmla="val -1250000"/>
+              </a:avLst>
+            </a:prstGeom>
+            <a:ln w="12700">
+              <a:solidFill>
+                <a:schemeClr val="tx1"/>
+              </a:solidFill>
+              <a:tailEnd type="triangle"/>
+            </a:ln>
+          </p:spPr>
+          <p:style>
+            <a:lnRef idx="1">
+              <a:schemeClr val="accent1"/>
+            </a:lnRef>
+            <a:fillRef idx="0">
+              <a:schemeClr val="accent1"/>
+            </a:fillRef>
+            <a:effectRef idx="0">
+              <a:schemeClr val="accent1"/>
+            </a:effectRef>
+            <a:fontRef idx="minor">
+              <a:schemeClr val="tx1"/>
+            </a:fontRef>
+          </p:style>
+        </p:cxnSp>
+        <p:cxnSp>
+          <p:nvCxnSpPr>
+            <p:cNvPr id="9" name="Connector: Elbow 8">
+              <a:extLst>
+                <a:ext uri="{FF2B5EF4-FFF2-40B4-BE49-F238E27FC236}">
+                  <a16:creationId xmlns:a16="http://schemas.microsoft.com/office/drawing/2014/main" id="{591B07BF-7AE8-B105-62D8-51ADD3E921D4}"/>
+                </a:ext>
+              </a:extLst>
+            </p:cNvPr>
+            <p:cNvCxnSpPr>
+              <a:cxnSpLocks/>
+              <a:stCxn id="7" idx="1"/>
+              <a:endCxn id="6" idx="1"/>
+            </p:cNvCxnSpPr>
+            <p:nvPr/>
+          </p:nvCxnSpPr>
+          <p:spPr>
+            <a:xfrm rot="10800000">
+              <a:off x="1506659" y="2590573"/>
+              <a:ext cx="12700" cy="1493446"/>
+            </a:xfrm>
+            <a:prstGeom prst="bentConnector3">
+              <a:avLst>
+                <a:gd name="adj1" fmla="val 1944000"/>
+              </a:avLst>
+            </a:prstGeom>
+            <a:ln w="12700">
+              <a:solidFill>
+                <a:schemeClr val="tx1"/>
+              </a:solidFill>
+              <a:tailEnd type="triangle"/>
+            </a:ln>
+          </p:spPr>
+          <p:style>
+            <a:lnRef idx="1">
+              <a:schemeClr val="accent1"/>
+            </a:lnRef>
+            <a:fillRef idx="0">
+              <a:schemeClr val="accent1"/>
+            </a:fillRef>
+            <a:effectRef idx="0">
+              <a:schemeClr val="accent1"/>
+            </a:effectRef>
+            <a:fontRef idx="minor">
+              <a:schemeClr val="tx1"/>
+            </a:fontRef>
+          </p:style>
+        </p:cxnSp>
+        <p:cxnSp>
+          <p:nvCxnSpPr>
+            <p:cNvPr id="10" name="Connector: Elbow 9">
+              <a:extLst>
+                <a:ext uri="{FF2B5EF4-FFF2-40B4-BE49-F238E27FC236}">
+                  <a16:creationId xmlns:a16="http://schemas.microsoft.com/office/drawing/2014/main" id="{FCDF68EC-0B95-1DD6-1772-82D918691177}"/>
+                </a:ext>
+              </a:extLst>
+            </p:cNvPr>
+            <p:cNvCxnSpPr>
+              <a:cxnSpLocks/>
+              <a:stCxn id="5" idx="3"/>
+              <a:endCxn id="14" idx="6"/>
+            </p:cNvCxnSpPr>
+            <p:nvPr/>
+          </p:nvCxnSpPr>
+          <p:spPr>
+            <a:xfrm>
+              <a:off x="3219635" y="1572541"/>
+              <a:ext cx="1445800" cy="2503445"/>
+            </a:xfrm>
+            <a:prstGeom prst="bentConnector3">
+              <a:avLst>
+                <a:gd name="adj1" fmla="val 115811"/>
+              </a:avLst>
+            </a:prstGeom>
+            <a:ln w="12700">
+              <a:solidFill>
+                <a:srgbClr val="199AAE"/>
+              </a:solidFill>
+              <a:tailEnd type="triangle"/>
+            </a:ln>
+          </p:spPr>
+          <p:style>
+            <a:lnRef idx="1">
+              <a:schemeClr val="accent1"/>
+            </a:lnRef>
+            <a:fillRef idx="0">
+              <a:schemeClr val="accent1"/>
+            </a:fillRef>
+            <a:effectRef idx="0">
+              <a:schemeClr val="accent1"/>
+            </a:effectRef>
+            <a:fontRef idx="minor">
+              <a:schemeClr val="tx1"/>
+            </a:fontRef>
+          </p:style>
+        </p:cxnSp>
+        <p:sp>
+          <p:nvSpPr>
+            <p:cNvPr id="11" name="Oval 10">
+              <a:extLst>
+                <a:ext uri="{FF2B5EF4-FFF2-40B4-BE49-F238E27FC236}">
+                  <a16:creationId xmlns:a16="http://schemas.microsoft.com/office/drawing/2014/main" id="{28AB7E51-DE50-AC9D-2842-D7D218B07E0B}"/>
+                </a:ext>
+              </a:extLst>
+            </p:cNvPr>
+            <p:cNvSpPr/>
+            <p:nvPr/>
+          </p:nvSpPr>
+          <p:spPr>
+            <a:xfrm>
+              <a:off x="4400731" y="2456947"/>
+              <a:ext cx="264703" cy="267250"/>
+            </a:xfrm>
+            <a:prstGeom prst="ellipse">
+              <a:avLst/>
+            </a:prstGeom>
+          </p:spPr>
+          <p:style>
+            <a:lnRef idx="2">
+              <a:schemeClr val="dk1">
+                <a:shade val="50000"/>
+              </a:schemeClr>
+            </a:lnRef>
+            <a:fillRef idx="1">
+              <a:schemeClr val="dk1"/>
+            </a:fillRef>
+            <a:effectRef idx="0">
+              <a:schemeClr val="dk1"/>
+            </a:effectRef>
+            <a:fontRef idx="minor">
+              <a:schemeClr val="lt1"/>
+            </a:fontRef>
+          </p:style>
+          <p:txBody>
+            <a:bodyPr rtlCol="0" anchor="ctr"/>
+            <a:lstStyle/>
+            <a:p>
+              <a:pPr algn="ctr"/>
+              <a:endParaRPr lang="en-US"/>
+            </a:p>
+          </p:txBody>
+        </p:sp>
+        <p:cxnSp>
+          <p:nvCxnSpPr>
+            <p:cNvPr id="12" name="Straight Connector 11">
+              <a:extLst>
+                <a:ext uri="{FF2B5EF4-FFF2-40B4-BE49-F238E27FC236}">
+                  <a16:creationId xmlns:a16="http://schemas.microsoft.com/office/drawing/2014/main" id="{955898FC-DE45-B0BD-1A74-F113618C8F93}"/>
+                </a:ext>
+              </a:extLst>
+            </p:cNvPr>
+            <p:cNvCxnSpPr>
+              <a:cxnSpLocks/>
+            </p:cNvCxnSpPr>
+            <p:nvPr/>
+          </p:nvCxnSpPr>
+          <p:spPr>
+            <a:xfrm>
+              <a:off x="4433786" y="2638626"/>
+              <a:ext cx="115824" cy="0"/>
+            </a:xfrm>
+            <a:prstGeom prst="line">
+              <a:avLst/>
+            </a:prstGeom>
+            <a:ln w="28575">
+              <a:solidFill>
+                <a:schemeClr val="bg1"/>
+              </a:solidFill>
+            </a:ln>
+          </p:spPr>
+          <p:style>
+            <a:lnRef idx="1">
+              <a:schemeClr val="accent1"/>
+            </a:lnRef>
+            <a:fillRef idx="0">
+              <a:schemeClr val="accent1"/>
+            </a:fillRef>
+            <a:effectRef idx="0">
+              <a:schemeClr val="accent1"/>
+            </a:effectRef>
+            <a:fontRef idx="minor">
+              <a:schemeClr val="tx1"/>
+            </a:fontRef>
+          </p:style>
+        </p:cxnSp>
+        <p:cxnSp>
+          <p:nvCxnSpPr>
+            <p:cNvPr id="13" name="Straight Connector 12">
+              <a:extLst>
+                <a:ext uri="{FF2B5EF4-FFF2-40B4-BE49-F238E27FC236}">
+                  <a16:creationId xmlns:a16="http://schemas.microsoft.com/office/drawing/2014/main" id="{8C62FD3E-D0CC-8474-0A5A-490D8D5FEDB4}"/>
+                </a:ext>
+              </a:extLst>
+            </p:cNvPr>
+            <p:cNvCxnSpPr>
+              <a:cxnSpLocks/>
+            </p:cNvCxnSpPr>
+            <p:nvPr/>
+          </p:nvCxnSpPr>
+          <p:spPr>
+            <a:xfrm flipV="1">
+              <a:off x="4538267" y="2531697"/>
+              <a:ext cx="65636" cy="109203"/>
+            </a:xfrm>
+            <a:prstGeom prst="line">
+              <a:avLst/>
+            </a:prstGeom>
+            <a:ln w="28575">
+              <a:solidFill>
+                <a:schemeClr val="bg1"/>
+              </a:solidFill>
+            </a:ln>
+          </p:spPr>
+          <p:style>
+            <a:lnRef idx="1">
+              <a:schemeClr val="accent1"/>
+            </a:lnRef>
+            <a:fillRef idx="0">
+              <a:schemeClr val="accent1"/>
+            </a:fillRef>
+            <a:effectRef idx="0">
+              <a:schemeClr val="accent1"/>
+            </a:effectRef>
+            <a:fontRef idx="minor">
+              <a:schemeClr val="tx1"/>
+            </a:fontRef>
+          </p:style>
+        </p:cxnSp>
+        <p:sp>
+          <p:nvSpPr>
+            <p:cNvPr id="14" name="Oval 13">
+              <a:extLst>
+                <a:ext uri="{FF2B5EF4-FFF2-40B4-BE49-F238E27FC236}">
+                  <a16:creationId xmlns:a16="http://schemas.microsoft.com/office/drawing/2014/main" id="{BA33465F-BF3F-5BE1-CFB1-E2886259D515}"/>
+                </a:ext>
+              </a:extLst>
+            </p:cNvPr>
+            <p:cNvSpPr/>
+            <p:nvPr/>
+          </p:nvSpPr>
+          <p:spPr>
+            <a:xfrm>
+              <a:off x="4400732" y="3942361"/>
+              <a:ext cx="264703" cy="267250"/>
+            </a:xfrm>
+            <a:prstGeom prst="ellipse">
+              <a:avLst/>
+            </a:prstGeom>
+          </p:spPr>
+          <p:style>
+            <a:lnRef idx="2">
+              <a:schemeClr val="dk1">
+                <a:shade val="50000"/>
+              </a:schemeClr>
+            </a:lnRef>
+            <a:fillRef idx="1">
+              <a:schemeClr val="dk1"/>
+            </a:fillRef>
+            <a:effectRef idx="0">
+              <a:schemeClr val="dk1"/>
+            </a:effectRef>
+            <a:fontRef idx="minor">
+              <a:schemeClr val="lt1"/>
+            </a:fontRef>
+          </p:style>
+          <p:txBody>
+            <a:bodyPr rtlCol="0" anchor="ctr"/>
+            <a:lstStyle/>
+            <a:p>
+              <a:pPr algn="ctr"/>
+              <a:endParaRPr lang="en-US"/>
+            </a:p>
+          </p:txBody>
+        </p:sp>
+        <p:cxnSp>
+          <p:nvCxnSpPr>
+            <p:cNvPr id="15" name="Straight Connector 14">
+              <a:extLst>
+                <a:ext uri="{FF2B5EF4-FFF2-40B4-BE49-F238E27FC236}">
+                  <a16:creationId xmlns:a16="http://schemas.microsoft.com/office/drawing/2014/main" id="{C2919313-694A-AFFF-4CB0-E50FE1DDB20F}"/>
+                </a:ext>
+              </a:extLst>
+            </p:cNvPr>
+            <p:cNvCxnSpPr>
+              <a:cxnSpLocks/>
+            </p:cNvCxnSpPr>
+            <p:nvPr/>
+          </p:nvCxnSpPr>
+          <p:spPr>
+            <a:xfrm>
+              <a:off x="4475171" y="4075986"/>
+              <a:ext cx="115824" cy="0"/>
+            </a:xfrm>
+            <a:prstGeom prst="line">
+              <a:avLst/>
+            </a:prstGeom>
+            <a:ln w="28575">
+              <a:solidFill>
+                <a:schemeClr val="bg1"/>
+              </a:solidFill>
+            </a:ln>
+          </p:spPr>
+          <p:style>
+            <a:lnRef idx="1">
+              <a:schemeClr val="accent1"/>
+            </a:lnRef>
+            <a:fillRef idx="0">
+              <a:schemeClr val="accent1"/>
+            </a:fillRef>
+            <a:effectRef idx="0">
+              <a:schemeClr val="accent1"/>
+            </a:effectRef>
+            <a:fontRef idx="minor">
+              <a:schemeClr val="tx1"/>
+            </a:fontRef>
+          </p:style>
+        </p:cxnSp>
+        <p:cxnSp>
+          <p:nvCxnSpPr>
+            <p:cNvPr id="16" name="Straight Connector 15">
+              <a:extLst>
+                <a:ext uri="{FF2B5EF4-FFF2-40B4-BE49-F238E27FC236}">
+                  <a16:creationId xmlns:a16="http://schemas.microsoft.com/office/drawing/2014/main" id="{31DD9585-3414-9F01-6940-17EBA2BED1AD}"/>
+                </a:ext>
+              </a:extLst>
+            </p:cNvPr>
+            <p:cNvCxnSpPr>
+              <a:cxnSpLocks/>
+            </p:cNvCxnSpPr>
+            <p:nvPr/>
+          </p:nvCxnSpPr>
+          <p:spPr>
+            <a:xfrm flipH="1" flipV="1">
+              <a:off x="4534878" y="4001596"/>
+              <a:ext cx="2381" cy="142875"/>
+            </a:xfrm>
+            <a:prstGeom prst="line">
+              <a:avLst/>
+            </a:prstGeom>
+            <a:ln w="28575">
+              <a:solidFill>
+                <a:schemeClr val="bg1"/>
+              </a:solidFill>
+            </a:ln>
+          </p:spPr>
+          <p:style>
+            <a:lnRef idx="1">
+              <a:schemeClr val="accent1"/>
+            </a:lnRef>
+            <a:fillRef idx="0">
+              <a:schemeClr val="accent1"/>
+            </a:fillRef>
+            <a:effectRef idx="0">
+              <a:schemeClr val="accent1"/>
+            </a:effectRef>
+            <a:fontRef idx="minor">
+              <a:schemeClr val="tx1"/>
+            </a:fontRef>
+          </p:style>
+        </p:cxnSp>
+        <p:cxnSp>
+          <p:nvCxnSpPr>
+            <p:cNvPr id="17" name="Straight Connector 16">
+              <a:extLst>
+                <a:ext uri="{FF2B5EF4-FFF2-40B4-BE49-F238E27FC236}">
+                  <a16:creationId xmlns:a16="http://schemas.microsoft.com/office/drawing/2014/main" id="{6C147CA9-D0F1-DC5E-18EC-B21CC35AE389}"/>
+                </a:ext>
+              </a:extLst>
+            </p:cNvPr>
+            <p:cNvCxnSpPr>
+              <a:cxnSpLocks/>
+            </p:cNvCxnSpPr>
+            <p:nvPr/>
+          </p:nvCxnSpPr>
+          <p:spPr>
+            <a:xfrm flipH="1" flipV="1">
+              <a:off x="1426464" y="2075541"/>
+              <a:ext cx="3466211" cy="6015"/>
+            </a:xfrm>
+            <a:prstGeom prst="line">
+              <a:avLst/>
+            </a:prstGeom>
+            <a:ln w="12700">
+              <a:solidFill>
+                <a:srgbClr val="199AAE"/>
+              </a:solidFill>
+            </a:ln>
+          </p:spPr>
+          <p:style>
+            <a:lnRef idx="1">
+              <a:schemeClr val="accent1"/>
+            </a:lnRef>
+            <a:fillRef idx="0">
+              <a:schemeClr val="accent1"/>
+            </a:fillRef>
+            <a:effectRef idx="0">
+              <a:schemeClr val="accent1"/>
+            </a:effectRef>
+            <a:fontRef idx="minor">
+              <a:schemeClr val="tx1"/>
+            </a:fontRef>
+          </p:style>
+        </p:cxnSp>
+        <p:cxnSp>
+          <p:nvCxnSpPr>
+            <p:cNvPr id="18" name="Straight Connector 17">
+              <a:extLst>
+                <a:ext uri="{FF2B5EF4-FFF2-40B4-BE49-F238E27FC236}">
+                  <a16:creationId xmlns:a16="http://schemas.microsoft.com/office/drawing/2014/main" id="{48B0A4A1-D495-E2DE-DD94-68B1EC1FF1DA}"/>
+                </a:ext>
+              </a:extLst>
+            </p:cNvPr>
+            <p:cNvCxnSpPr/>
+            <p:nvPr/>
+          </p:nvCxnSpPr>
+          <p:spPr>
+            <a:xfrm>
+              <a:off x="1426464" y="2075541"/>
+              <a:ext cx="0" cy="333353"/>
+            </a:xfrm>
+            <a:prstGeom prst="line">
+              <a:avLst/>
+            </a:prstGeom>
+            <a:ln w="12700">
+              <a:solidFill>
+                <a:srgbClr val="199AAE"/>
+              </a:solidFill>
+            </a:ln>
+          </p:spPr>
+          <p:style>
+            <a:lnRef idx="1">
+              <a:schemeClr val="accent1"/>
+            </a:lnRef>
+            <a:fillRef idx="0">
+              <a:schemeClr val="accent1"/>
+            </a:fillRef>
+            <a:effectRef idx="0">
+              <a:schemeClr val="accent1"/>
+            </a:effectRef>
+            <a:fontRef idx="minor">
+              <a:schemeClr val="tx1"/>
+            </a:fontRef>
+          </p:style>
+        </p:cxnSp>
+        <p:cxnSp>
+          <p:nvCxnSpPr>
+            <p:cNvPr id="19" name="Straight Arrow Connector 18">
+              <a:extLst>
+                <a:ext uri="{FF2B5EF4-FFF2-40B4-BE49-F238E27FC236}">
+                  <a16:creationId xmlns:a16="http://schemas.microsoft.com/office/drawing/2014/main" id="{9A94BCF3-85CB-4911-9969-C68DE881F2BE}"/>
+                </a:ext>
+              </a:extLst>
+            </p:cNvPr>
+            <p:cNvCxnSpPr/>
+            <p:nvPr/>
+          </p:nvCxnSpPr>
+          <p:spPr>
+            <a:xfrm>
+              <a:off x="1426464" y="2408894"/>
+              <a:ext cx="98483" cy="0"/>
+            </a:xfrm>
+            <a:prstGeom prst="straightConnector1">
+              <a:avLst/>
+            </a:prstGeom>
+            <a:ln w="12700">
+              <a:solidFill>
+                <a:srgbClr val="199AAE"/>
+              </a:solidFill>
+              <a:tailEnd type="triangle"/>
+            </a:ln>
+          </p:spPr>
+          <p:style>
+            <a:lnRef idx="1">
+              <a:schemeClr val="accent1"/>
+            </a:lnRef>
+            <a:fillRef idx="0">
+              <a:schemeClr val="accent1"/>
+            </a:fillRef>
+            <a:effectRef idx="0">
+              <a:schemeClr val="accent1"/>
+            </a:effectRef>
+            <a:fontRef idx="minor">
+              <a:schemeClr val="tx1"/>
+            </a:fontRef>
+          </p:style>
+        </p:cxnSp>
+        <p:cxnSp>
+          <p:nvCxnSpPr>
+            <p:cNvPr id="20" name="Straight Arrow Connector 19">
+              <a:extLst>
+                <a:ext uri="{FF2B5EF4-FFF2-40B4-BE49-F238E27FC236}">
+                  <a16:creationId xmlns:a16="http://schemas.microsoft.com/office/drawing/2014/main" id="{F1A119A4-F1D2-EE8B-F92E-0989184C5C1A}"/>
+                </a:ext>
+              </a:extLst>
+            </p:cNvPr>
+            <p:cNvCxnSpPr>
+              <a:cxnSpLocks/>
+              <a:endCxn id="11" idx="0"/>
+            </p:cNvCxnSpPr>
+            <p:nvPr/>
+          </p:nvCxnSpPr>
+          <p:spPr>
+            <a:xfrm>
+              <a:off x="4533082" y="2075540"/>
+              <a:ext cx="1" cy="381407"/>
+            </a:xfrm>
+            <a:prstGeom prst="straightConnector1">
+              <a:avLst/>
+            </a:prstGeom>
+            <a:ln w="12700">
+              <a:solidFill>
+                <a:srgbClr val="199AAE"/>
+              </a:solidFill>
+              <a:tailEnd type="triangle"/>
+            </a:ln>
+          </p:spPr>
+          <p:style>
+            <a:lnRef idx="1">
+              <a:schemeClr val="accent1"/>
+            </a:lnRef>
+            <a:fillRef idx="0">
+              <a:schemeClr val="accent1"/>
+            </a:fillRef>
+            <a:effectRef idx="0">
+              <a:schemeClr val="accent1"/>
+            </a:effectRef>
+            <a:fontRef idx="minor">
+              <a:schemeClr val="tx1"/>
+            </a:fontRef>
+          </p:style>
+        </p:cxnSp>
+        <p:cxnSp>
+          <p:nvCxnSpPr>
+            <p:cNvPr id="21" name="Straight Arrow Connector 20">
+              <a:extLst>
+                <a:ext uri="{FF2B5EF4-FFF2-40B4-BE49-F238E27FC236}">
+                  <a16:creationId xmlns:a16="http://schemas.microsoft.com/office/drawing/2014/main" id="{3CF247D3-B577-AC11-822A-BBAD800E4322}"/>
+                </a:ext>
+              </a:extLst>
+            </p:cNvPr>
+            <p:cNvCxnSpPr>
+              <a:cxnSpLocks/>
+              <a:stCxn id="11" idx="4"/>
+              <a:endCxn id="14" idx="0"/>
+            </p:cNvCxnSpPr>
+            <p:nvPr/>
+          </p:nvCxnSpPr>
+          <p:spPr>
+            <a:xfrm>
+              <a:off x="4533083" y="2724197"/>
+              <a:ext cx="1" cy="1218164"/>
+            </a:xfrm>
+            <a:prstGeom prst="straightConnector1">
+              <a:avLst/>
+            </a:prstGeom>
+            <a:ln w="12700">
+              <a:solidFill>
+                <a:srgbClr val="F76A6F"/>
+              </a:solidFill>
+              <a:tailEnd type="triangle"/>
+            </a:ln>
+          </p:spPr>
+          <p:style>
+            <a:lnRef idx="1">
+              <a:schemeClr val="accent1"/>
+            </a:lnRef>
+            <a:fillRef idx="0">
+              <a:schemeClr val="accent1"/>
+            </a:fillRef>
+            <a:effectRef idx="0">
+              <a:schemeClr val="accent1"/>
+            </a:effectRef>
+            <a:fontRef idx="minor">
+              <a:schemeClr val="tx1"/>
+            </a:fontRef>
+          </p:style>
+        </p:cxnSp>
+        <p:cxnSp>
+          <p:nvCxnSpPr>
+            <p:cNvPr id="22" name="Straight Arrow Connector 21">
+              <a:extLst>
+                <a:ext uri="{FF2B5EF4-FFF2-40B4-BE49-F238E27FC236}">
+                  <a16:creationId xmlns:a16="http://schemas.microsoft.com/office/drawing/2014/main" id="{C78E719E-47C4-B8E4-73B0-B63AA18F0691}"/>
+                </a:ext>
+              </a:extLst>
+            </p:cNvPr>
+            <p:cNvCxnSpPr>
+              <a:stCxn id="6" idx="3"/>
+              <a:endCxn id="11" idx="2"/>
+            </p:cNvCxnSpPr>
+            <p:nvPr/>
+          </p:nvCxnSpPr>
+          <p:spPr>
+            <a:xfrm flipV="1">
+              <a:off x="3201347" y="2590572"/>
+              <a:ext cx="1199384" cy="1"/>
+            </a:xfrm>
+            <a:prstGeom prst="straightConnector1">
+              <a:avLst/>
+            </a:prstGeom>
+            <a:ln w="12700">
+              <a:solidFill>
+                <a:srgbClr val="F76A6F"/>
+              </a:solidFill>
+              <a:tailEnd type="triangle"/>
+            </a:ln>
+          </p:spPr>
+          <p:style>
+            <a:lnRef idx="1">
+              <a:schemeClr val="accent1"/>
+            </a:lnRef>
+            <a:fillRef idx="0">
+              <a:schemeClr val="accent1"/>
+            </a:fillRef>
+            <a:effectRef idx="0">
+              <a:schemeClr val="accent1"/>
+            </a:effectRef>
+            <a:fontRef idx="minor">
+              <a:schemeClr val="tx1"/>
+            </a:fontRef>
+          </p:style>
+        </p:cxnSp>
+        <p:cxnSp>
+          <p:nvCxnSpPr>
+            <p:cNvPr id="23" name="Straight Arrow Connector 22">
+              <a:extLst>
+                <a:ext uri="{FF2B5EF4-FFF2-40B4-BE49-F238E27FC236}">
+                  <a16:creationId xmlns:a16="http://schemas.microsoft.com/office/drawing/2014/main" id="{E968A6AB-9BA3-F583-B0F4-B93E45623FF8}"/>
+                </a:ext>
+              </a:extLst>
+            </p:cNvPr>
+            <p:cNvCxnSpPr>
+              <a:cxnSpLocks/>
+              <a:stCxn id="14" idx="2"/>
+              <a:endCxn id="7" idx="3"/>
+            </p:cNvCxnSpPr>
+            <p:nvPr/>
+          </p:nvCxnSpPr>
+          <p:spPr>
+            <a:xfrm flipH="1">
+              <a:off x="3201347" y="4075986"/>
+              <a:ext cx="1199385" cy="8033"/>
+            </a:xfrm>
+            <a:prstGeom prst="straightConnector1">
+              <a:avLst/>
+            </a:prstGeom>
+            <a:ln w="12700">
+              <a:solidFill>
+                <a:schemeClr val="tx1"/>
+              </a:solidFill>
+              <a:tailEnd type="triangle"/>
+            </a:ln>
+          </p:spPr>
+          <p:style>
+            <a:lnRef idx="1">
+              <a:schemeClr val="accent1"/>
+            </a:lnRef>
+            <a:fillRef idx="0">
+              <a:schemeClr val="accent1"/>
+            </a:fillRef>
+            <a:effectRef idx="0">
+              <a:schemeClr val="accent1"/>
+            </a:effectRef>
+            <a:fontRef idx="minor">
+              <a:schemeClr val="tx1"/>
+            </a:fontRef>
+          </p:style>
+        </p:cxnSp>
+        <p:sp>
+          <p:nvSpPr>
+            <p:cNvPr id="24" name="TextBox 23">
+              <a:extLst>
+                <a:ext uri="{FF2B5EF4-FFF2-40B4-BE49-F238E27FC236}">
+                  <a16:creationId xmlns:a16="http://schemas.microsoft.com/office/drawing/2014/main" id="{4D818D84-671E-8543-AFA0-64B0DC8E2D96}"/>
+                </a:ext>
+              </a:extLst>
+            </p:cNvPr>
+            <p:cNvSpPr txBox="1"/>
+            <p:nvPr/>
+          </p:nvSpPr>
+          <p:spPr>
+            <a:xfrm>
+              <a:off x="3231827" y="1292462"/>
+              <a:ext cx="1388148" cy="523220"/>
+            </a:xfrm>
+            <a:prstGeom prst="rect">
+              <a:avLst/>
+            </a:prstGeom>
+            <a:noFill/>
+          </p:spPr>
+          <p:txBody>
+            <a:bodyPr wrap="square" rtlCol="0">
+              <a:spAutoFit/>
+            </a:bodyPr>
+            <a:lstStyle/>
+            <a:p>
+              <a:r>
+                <a:rPr lang="en-US" sz="1400" b="1" dirty="0"/>
+                <a:t>Slow, Long Action</a:t>
+              </a:r>
+            </a:p>
+          </p:txBody>
+        </p:sp>
+        <p:sp>
+          <p:nvSpPr>
+            <p:cNvPr id="25" name="TextBox 24">
+              <a:extLst>
+                <a:ext uri="{FF2B5EF4-FFF2-40B4-BE49-F238E27FC236}">
+                  <a16:creationId xmlns:a16="http://schemas.microsoft.com/office/drawing/2014/main" id="{F2F259D8-4705-D5BD-D8D8-C3162718216B}"/>
+                </a:ext>
+              </a:extLst>
+            </p:cNvPr>
+            <p:cNvSpPr txBox="1"/>
+            <p:nvPr/>
+          </p:nvSpPr>
+          <p:spPr>
+            <a:xfrm>
+              <a:off x="3177121" y="2336174"/>
+              <a:ext cx="1388148" cy="523220"/>
+            </a:xfrm>
+            <a:prstGeom prst="rect">
+              <a:avLst/>
+            </a:prstGeom>
+            <a:noFill/>
+          </p:spPr>
+          <p:txBody>
+            <a:bodyPr wrap="square" rtlCol="0">
+              <a:spAutoFit/>
+            </a:bodyPr>
+            <a:lstStyle/>
+            <a:p>
+              <a:r>
+                <a:rPr lang="en-US" sz="1400" b="1" dirty="0"/>
+                <a:t>Short, Fast</a:t>
+              </a:r>
+            </a:p>
+            <a:p>
+              <a:r>
+                <a:rPr lang="en-US" sz="1400" b="1" dirty="0"/>
+                <a:t>Action</a:t>
+              </a:r>
+            </a:p>
+          </p:txBody>
+        </p:sp>
+        <p:sp>
+          <p:nvSpPr>
+            <p:cNvPr id="26" name="TextBox 25">
+              <a:extLst>
+                <a:ext uri="{FF2B5EF4-FFF2-40B4-BE49-F238E27FC236}">
+                  <a16:creationId xmlns:a16="http://schemas.microsoft.com/office/drawing/2014/main" id="{D23EB06A-7F8F-D299-A3A1-9B9C68F30D41}"/>
+                </a:ext>
+              </a:extLst>
+            </p:cNvPr>
+            <p:cNvSpPr txBox="1"/>
+            <p:nvPr/>
+          </p:nvSpPr>
+          <p:spPr>
+            <a:xfrm>
+              <a:off x="3275034" y="3818392"/>
+              <a:ext cx="1388148" cy="523220"/>
+            </a:xfrm>
+            <a:prstGeom prst="rect">
+              <a:avLst/>
+            </a:prstGeom>
+            <a:noFill/>
+          </p:spPr>
+          <p:txBody>
+            <a:bodyPr wrap="square" rtlCol="0">
+              <a:spAutoFit/>
+            </a:bodyPr>
+            <a:lstStyle/>
+            <a:p>
+              <a:r>
+                <a:rPr lang="en-US" sz="1400" b="1" dirty="0"/>
+                <a:t>Combined</a:t>
+              </a:r>
+            </a:p>
+            <a:p>
+              <a:r>
+                <a:rPr lang="en-US" sz="1400" b="1" dirty="0"/>
+                <a:t>Action</a:t>
+              </a:r>
+            </a:p>
+          </p:txBody>
+        </p:sp>
+        <p:sp>
+          <p:nvSpPr>
+            <p:cNvPr id="27" name="TextBox 26">
+              <a:extLst>
+                <a:ext uri="{FF2B5EF4-FFF2-40B4-BE49-F238E27FC236}">
+                  <a16:creationId xmlns:a16="http://schemas.microsoft.com/office/drawing/2014/main" id="{865EDDA4-0A2A-5C8C-3006-D61CAEEB6B0C}"/>
+                </a:ext>
+              </a:extLst>
+            </p:cNvPr>
+            <p:cNvSpPr txBox="1"/>
+            <p:nvPr/>
+          </p:nvSpPr>
+          <p:spPr>
+            <a:xfrm>
+              <a:off x="835152" y="2960558"/>
+              <a:ext cx="779338" cy="369332"/>
+            </a:xfrm>
+            <a:prstGeom prst="rect">
+              <a:avLst/>
+            </a:prstGeom>
+            <a:noFill/>
+          </p:spPr>
+          <p:txBody>
+            <a:bodyPr wrap="square" rtlCol="0">
+              <a:spAutoFit/>
+            </a:bodyPr>
+            <a:lstStyle/>
+            <a:p>
+              <a:endParaRPr lang="en-US" dirty="0"/>
+            </a:p>
+          </p:txBody>
+        </p:sp>
+        <p:sp>
+          <p:nvSpPr>
+            <p:cNvPr id="28" name="TextBox 27">
+              <a:extLst>
+                <a:ext uri="{FF2B5EF4-FFF2-40B4-BE49-F238E27FC236}">
+                  <a16:creationId xmlns:a16="http://schemas.microsoft.com/office/drawing/2014/main" id="{82AD1A75-042D-1DCF-F1C2-C158F714E8CE}"/>
+                </a:ext>
+              </a:extLst>
+            </p:cNvPr>
+            <p:cNvSpPr txBox="1"/>
+            <p:nvPr/>
+          </p:nvSpPr>
+          <p:spPr>
+            <a:xfrm rot="16200000">
+              <a:off x="453333" y="3082678"/>
+              <a:ext cx="1388148" cy="307777"/>
+            </a:xfrm>
+            <a:prstGeom prst="rect">
+              <a:avLst/>
+            </a:prstGeom>
+            <a:noFill/>
+          </p:spPr>
+          <p:txBody>
+            <a:bodyPr wrap="square" rtlCol="0">
+              <a:spAutoFit/>
+            </a:bodyPr>
+            <a:lstStyle/>
+            <a:p>
+              <a:r>
+                <a:rPr lang="en-US" sz="1400" b="1" dirty="0"/>
+                <a:t>Observation</a:t>
+              </a:r>
+            </a:p>
+          </p:txBody>
+        </p:sp>
+      </p:grpSp>
+    </p:spTree>
+    <p:extLst>
+      <p:ext uri="{BB962C8B-B14F-4D97-AF65-F5344CB8AC3E}">
+        <p14:creationId xmlns:p14="http://schemas.microsoft.com/office/powerpoint/2010/main" val="3970488457"/>
+      </p:ext>
+    </p:extLst>
+  </p:cSld>
+  <p:clrMapOvr>
+    <a:masterClrMapping/>
+  </p:clrMapOvr>
+</p:sld>
+</file>
+
+<file path=ppt/slides/slide7.xml><?xml version="1.0" encoding="utf-8"?>
+<p:sld xmlns:a="http://schemas.openxmlformats.org/drawingml/2006/main" xmlns:r="http://schemas.openxmlformats.org/officeDocument/2006/relationships" xmlns:p="http://schemas.openxmlformats.org/presentationml/2006/main">
+  <p:cSld>
+    <p:spTree>
+      <p:nvGrpSpPr>
+        <p:cNvPr id="1" name=""/>
+        <p:cNvGrpSpPr/>
+        <p:nvPr/>
+      </p:nvGrpSpPr>
+      <p:grpSpPr>
+        <a:xfrm>
+          <a:off x="0" y="0"/>
+          <a:ext cx="0" cy="0"/>
+          <a:chOff x="0" y="0"/>
+          <a:chExt cx="0" cy="0"/>
+        </a:xfrm>
+      </p:grpSpPr>
+      <p:sp>
+        <p:nvSpPr>
+          <p:cNvPr id="2" name="Title 1">
+            <a:extLst>
+              <a:ext uri="{FF2B5EF4-FFF2-40B4-BE49-F238E27FC236}">
+                <a16:creationId xmlns:a16="http://schemas.microsoft.com/office/drawing/2014/main" id="{98026E20-AC5D-9557-0447-DD5E77EA931F}"/>
+              </a:ext>
+            </a:extLst>
+          </p:cNvPr>
+          <p:cNvSpPr>
+            <a:spLocks noGrp="1"/>
+          </p:cNvSpPr>
+          <p:nvPr>
+            <p:ph type="title"/>
+          </p:nvPr>
+        </p:nvSpPr>
+        <p:spPr/>
+        <p:txBody>
+          <a:bodyPr/>
+          <a:lstStyle/>
+          <a:p>
+            <a:r>
+              <a:rPr lang="en-US" dirty="0"/>
+              <a:t>Single adaptive network</a:t>
+            </a:r>
+          </a:p>
+        </p:txBody>
+      </p:sp>
+      <p:grpSp>
+        <p:nvGrpSpPr>
+          <p:cNvPr id="4" name="Group 3">
+            <a:extLst>
+              <a:ext uri="{FF2B5EF4-FFF2-40B4-BE49-F238E27FC236}">
+                <a16:creationId xmlns:a16="http://schemas.microsoft.com/office/drawing/2014/main" id="{6B48367D-B5ED-F597-B2CB-690807676B25}"/>
+              </a:ext>
+            </a:extLst>
+          </p:cNvPr>
+          <p:cNvGrpSpPr/>
+          <p:nvPr/>
+        </p:nvGrpSpPr>
+        <p:grpSpPr>
+          <a:xfrm>
+            <a:off x="982986" y="2489976"/>
+            <a:ext cx="3820233" cy="3089515"/>
+            <a:chOff x="835152" y="1261759"/>
+            <a:chExt cx="4057523" cy="3133041"/>
+          </a:xfrm>
+        </p:grpSpPr>
+        <p:sp>
+          <p:nvSpPr>
+            <p:cNvPr id="5" name="Rectangle 4">
+              <a:extLst>
+                <a:ext uri="{FF2B5EF4-FFF2-40B4-BE49-F238E27FC236}">
+                  <a16:creationId xmlns:a16="http://schemas.microsoft.com/office/drawing/2014/main" id="{D2AF5C42-14B2-98AF-2400-20D93CB3DE2F}"/>
+                </a:ext>
+              </a:extLst>
+            </p:cNvPr>
+            <p:cNvSpPr/>
+            <p:nvPr/>
+          </p:nvSpPr>
+          <p:spPr>
+            <a:xfrm>
+              <a:off x="1524947" y="1261759"/>
+              <a:ext cx="1694688" cy="621563"/>
+            </a:xfrm>
+            <a:prstGeom prst="rect">
+              <a:avLst/>
+            </a:prstGeom>
+            <a:solidFill>
+              <a:srgbClr val="199AAE"/>
+            </a:solidFill>
+            <a:ln>
+              <a:solidFill>
+                <a:srgbClr val="199AAE"/>
+              </a:solidFill>
+            </a:ln>
+          </p:spPr>
+          <p:style>
+            <a:lnRef idx="2">
+              <a:schemeClr val="accent1">
+                <a:shade val="50000"/>
+              </a:schemeClr>
+            </a:lnRef>
+            <a:fillRef idx="1">
+              <a:schemeClr val="accent1"/>
+            </a:fillRef>
+            <a:effectRef idx="0">
+              <a:schemeClr val="accent1"/>
+            </a:effectRef>
+            <a:fontRef idx="minor">
+              <a:schemeClr val="lt1"/>
+            </a:fontRef>
+          </p:style>
+          <p:txBody>
+            <a:bodyPr rtlCol="0" anchor="ctr"/>
+            <a:lstStyle/>
+            <a:p>
+              <a:pPr algn="ctr"/>
+              <a:r>
+                <a:rPr lang="en-US" dirty="0"/>
+                <a:t>Slow Controller</a:t>
+              </a:r>
+            </a:p>
+          </p:txBody>
+        </p:sp>
+        <p:sp>
+          <p:nvSpPr>
+            <p:cNvPr id="6" name="Rectangle 5">
+              <a:extLst>
+                <a:ext uri="{FF2B5EF4-FFF2-40B4-BE49-F238E27FC236}">
+                  <a16:creationId xmlns:a16="http://schemas.microsoft.com/office/drawing/2014/main" id="{3F81FED6-5B54-54AB-CE9F-AC3738C8419E}"/>
+                </a:ext>
+              </a:extLst>
+            </p:cNvPr>
+            <p:cNvSpPr/>
+            <p:nvPr/>
+          </p:nvSpPr>
+          <p:spPr>
+            <a:xfrm>
+              <a:off x="1506659" y="2279791"/>
+              <a:ext cx="1694688" cy="621563"/>
+            </a:xfrm>
+            <a:prstGeom prst="rect">
+              <a:avLst/>
+            </a:prstGeom>
+            <a:solidFill>
+              <a:srgbClr val="F76A6F"/>
+            </a:solidFill>
+            <a:ln>
+              <a:solidFill>
+                <a:srgbClr val="F76A6F"/>
+              </a:solidFill>
+            </a:ln>
+          </p:spPr>
+          <p:style>
+            <a:lnRef idx="2">
+              <a:schemeClr val="accent1">
+                <a:shade val="50000"/>
+              </a:schemeClr>
+            </a:lnRef>
+            <a:fillRef idx="1">
+              <a:schemeClr val="accent1"/>
+            </a:fillRef>
+            <a:effectRef idx="0">
+              <a:schemeClr val="accent1"/>
+            </a:effectRef>
+            <a:fontRef idx="minor">
+              <a:schemeClr val="lt1"/>
+            </a:fontRef>
+          </p:style>
+          <p:txBody>
+            <a:bodyPr rtlCol="0" anchor="ctr"/>
+            <a:lstStyle/>
+            <a:p>
+              <a:pPr algn="ctr"/>
+              <a:r>
+                <a:rPr lang="en-US" dirty="0"/>
+                <a:t>Fast Controller</a:t>
+              </a:r>
+            </a:p>
+          </p:txBody>
+        </p:sp>
+        <p:sp>
+          <p:nvSpPr>
+            <p:cNvPr id="7" name="Rectangle 6">
+              <a:extLst>
+                <a:ext uri="{FF2B5EF4-FFF2-40B4-BE49-F238E27FC236}">
+                  <a16:creationId xmlns:a16="http://schemas.microsoft.com/office/drawing/2014/main" id="{2114E6C8-10FA-E5AD-09DC-71A92A0703CB}"/>
+                </a:ext>
+              </a:extLst>
+            </p:cNvPr>
+            <p:cNvSpPr/>
+            <p:nvPr/>
+          </p:nvSpPr>
+          <p:spPr>
+            <a:xfrm>
+              <a:off x="1506659" y="3773237"/>
+              <a:ext cx="1694688" cy="621563"/>
+            </a:xfrm>
+            <a:prstGeom prst="rect">
+              <a:avLst/>
+            </a:prstGeom>
+            <a:solidFill>
+              <a:srgbClr val="FFBC44"/>
+            </a:solidFill>
+            <a:ln>
+              <a:solidFill>
+                <a:srgbClr val="FFBC44"/>
+              </a:solidFill>
+            </a:ln>
+          </p:spPr>
+          <p:style>
+            <a:lnRef idx="2">
+              <a:schemeClr val="accent1">
+                <a:shade val="50000"/>
+              </a:schemeClr>
+            </a:lnRef>
+            <a:fillRef idx="1">
+              <a:schemeClr val="accent1"/>
+            </a:fillRef>
+            <a:effectRef idx="0">
+              <a:schemeClr val="accent1"/>
+            </a:effectRef>
+            <a:fontRef idx="minor">
+              <a:schemeClr val="lt1"/>
+            </a:fontRef>
+          </p:style>
+          <p:txBody>
+            <a:bodyPr rtlCol="0" anchor="ctr"/>
+            <a:lstStyle/>
+            <a:p>
+              <a:pPr algn="ctr"/>
+              <a:r>
+                <a:rPr lang="en-US" dirty="0"/>
+                <a:t>Environment</a:t>
+              </a:r>
+            </a:p>
+          </p:txBody>
+        </p:sp>
+        <p:cxnSp>
+          <p:nvCxnSpPr>
+            <p:cNvPr id="8" name="Connector: Elbow 7">
+              <a:extLst>
+                <a:ext uri="{FF2B5EF4-FFF2-40B4-BE49-F238E27FC236}">
+                  <a16:creationId xmlns:a16="http://schemas.microsoft.com/office/drawing/2014/main" id="{0E45B1D1-CB6E-4AD3-4E74-D531B7822A8C}"/>
+                </a:ext>
+              </a:extLst>
+            </p:cNvPr>
+            <p:cNvCxnSpPr>
+              <a:stCxn id="7" idx="1"/>
+              <a:endCxn id="5" idx="1"/>
+            </p:cNvCxnSpPr>
+            <p:nvPr/>
+          </p:nvCxnSpPr>
+          <p:spPr>
+            <a:xfrm rot="10800000" flipH="1">
+              <a:off x="1506659" y="1572541"/>
+              <a:ext cx="18288" cy="2511478"/>
+            </a:xfrm>
+            <a:prstGeom prst="bentConnector3">
+              <a:avLst>
+                <a:gd name="adj1" fmla="val -1250000"/>
+              </a:avLst>
+            </a:prstGeom>
+            <a:ln w="12700">
+              <a:solidFill>
+                <a:schemeClr val="tx1"/>
+              </a:solidFill>
+              <a:tailEnd type="triangle"/>
+            </a:ln>
+          </p:spPr>
+          <p:style>
+            <a:lnRef idx="1">
+              <a:schemeClr val="accent1"/>
+            </a:lnRef>
+            <a:fillRef idx="0">
+              <a:schemeClr val="accent1"/>
+            </a:fillRef>
+            <a:effectRef idx="0">
+              <a:schemeClr val="accent1"/>
+            </a:effectRef>
+            <a:fontRef idx="minor">
+              <a:schemeClr val="tx1"/>
+            </a:fontRef>
+          </p:style>
+        </p:cxnSp>
+        <p:cxnSp>
+          <p:nvCxnSpPr>
+            <p:cNvPr id="9" name="Connector: Elbow 8">
+              <a:extLst>
+                <a:ext uri="{FF2B5EF4-FFF2-40B4-BE49-F238E27FC236}">
+                  <a16:creationId xmlns:a16="http://schemas.microsoft.com/office/drawing/2014/main" id="{ADB90515-0EF1-358C-E709-B322AA487057}"/>
+                </a:ext>
+              </a:extLst>
+            </p:cNvPr>
+            <p:cNvCxnSpPr>
+              <a:cxnSpLocks/>
+              <a:stCxn id="7" idx="1"/>
+              <a:endCxn id="6" idx="1"/>
+            </p:cNvCxnSpPr>
+            <p:nvPr/>
+          </p:nvCxnSpPr>
+          <p:spPr>
+            <a:xfrm rot="10800000">
+              <a:off x="1506659" y="2590573"/>
+              <a:ext cx="12700" cy="1493446"/>
+            </a:xfrm>
+            <a:prstGeom prst="bentConnector3">
+              <a:avLst>
+                <a:gd name="adj1" fmla="val 1944000"/>
+              </a:avLst>
+            </a:prstGeom>
+            <a:ln w="12700">
+              <a:solidFill>
+                <a:schemeClr val="tx1"/>
+              </a:solidFill>
+              <a:tailEnd type="triangle"/>
+            </a:ln>
+          </p:spPr>
+          <p:style>
+            <a:lnRef idx="1">
+              <a:schemeClr val="accent1"/>
+            </a:lnRef>
+            <a:fillRef idx="0">
+              <a:schemeClr val="accent1"/>
+            </a:fillRef>
+            <a:effectRef idx="0">
+              <a:schemeClr val="accent1"/>
+            </a:effectRef>
+            <a:fontRef idx="minor">
+              <a:schemeClr val="tx1"/>
+            </a:fontRef>
+          </p:style>
+        </p:cxnSp>
+        <p:cxnSp>
+          <p:nvCxnSpPr>
+            <p:cNvPr id="10" name="Connector: Elbow 9">
+              <a:extLst>
+                <a:ext uri="{FF2B5EF4-FFF2-40B4-BE49-F238E27FC236}">
+                  <a16:creationId xmlns:a16="http://schemas.microsoft.com/office/drawing/2014/main" id="{8EF18BCB-0300-3141-A24A-9893BB3D2A15}"/>
+                </a:ext>
+              </a:extLst>
+            </p:cNvPr>
+            <p:cNvCxnSpPr>
+              <a:cxnSpLocks/>
+              <a:stCxn id="5" idx="3"/>
+              <a:endCxn id="14" idx="6"/>
+            </p:cNvCxnSpPr>
+            <p:nvPr/>
+          </p:nvCxnSpPr>
+          <p:spPr>
+            <a:xfrm>
+              <a:off x="3219635" y="1572541"/>
+              <a:ext cx="1445800" cy="2503445"/>
+            </a:xfrm>
+            <a:prstGeom prst="bentConnector3">
+              <a:avLst>
+                <a:gd name="adj1" fmla="val 115811"/>
+              </a:avLst>
+            </a:prstGeom>
+            <a:ln w="12700">
+              <a:solidFill>
+                <a:srgbClr val="199AAE"/>
+              </a:solidFill>
+              <a:tailEnd type="triangle"/>
+            </a:ln>
+          </p:spPr>
+          <p:style>
+            <a:lnRef idx="1">
+              <a:schemeClr val="accent1"/>
+            </a:lnRef>
+            <a:fillRef idx="0">
+              <a:schemeClr val="accent1"/>
+            </a:fillRef>
+            <a:effectRef idx="0">
+              <a:schemeClr val="accent1"/>
+            </a:effectRef>
+            <a:fontRef idx="minor">
+              <a:schemeClr val="tx1"/>
+            </a:fontRef>
+          </p:style>
+        </p:cxnSp>
+        <p:sp>
+          <p:nvSpPr>
+            <p:cNvPr id="11" name="Oval 10">
+              <a:extLst>
+                <a:ext uri="{FF2B5EF4-FFF2-40B4-BE49-F238E27FC236}">
+                  <a16:creationId xmlns:a16="http://schemas.microsoft.com/office/drawing/2014/main" id="{C0C8B720-7B4F-644E-266F-E0CA0AA25AC8}"/>
+                </a:ext>
+              </a:extLst>
+            </p:cNvPr>
+            <p:cNvSpPr/>
+            <p:nvPr/>
+          </p:nvSpPr>
+          <p:spPr>
+            <a:xfrm>
+              <a:off x="4400731" y="2456947"/>
+              <a:ext cx="264703" cy="267250"/>
+            </a:xfrm>
+            <a:prstGeom prst="ellipse">
+              <a:avLst/>
+            </a:prstGeom>
+          </p:spPr>
+          <p:style>
+            <a:lnRef idx="2">
+              <a:schemeClr val="dk1">
+                <a:shade val="50000"/>
+              </a:schemeClr>
+            </a:lnRef>
+            <a:fillRef idx="1">
+              <a:schemeClr val="dk1"/>
+            </a:fillRef>
+            <a:effectRef idx="0">
+              <a:schemeClr val="dk1"/>
+            </a:effectRef>
+            <a:fontRef idx="minor">
+              <a:schemeClr val="lt1"/>
+            </a:fontRef>
+          </p:style>
+          <p:txBody>
+            <a:bodyPr rtlCol="0" anchor="ctr"/>
+            <a:lstStyle/>
+            <a:p>
+              <a:pPr algn="ctr"/>
+              <a:endParaRPr lang="en-US"/>
+            </a:p>
+          </p:txBody>
+        </p:sp>
+        <p:cxnSp>
+          <p:nvCxnSpPr>
+            <p:cNvPr id="12" name="Straight Connector 11">
+              <a:extLst>
+                <a:ext uri="{FF2B5EF4-FFF2-40B4-BE49-F238E27FC236}">
+                  <a16:creationId xmlns:a16="http://schemas.microsoft.com/office/drawing/2014/main" id="{70170D64-CB62-ECC1-0DE7-16F288231B24}"/>
+                </a:ext>
+              </a:extLst>
+            </p:cNvPr>
+            <p:cNvCxnSpPr>
+              <a:cxnSpLocks/>
+            </p:cNvCxnSpPr>
+            <p:nvPr/>
+          </p:nvCxnSpPr>
+          <p:spPr>
+            <a:xfrm>
+              <a:off x="4433786" y="2638626"/>
+              <a:ext cx="115824" cy="0"/>
+            </a:xfrm>
+            <a:prstGeom prst="line">
+              <a:avLst/>
+            </a:prstGeom>
+            <a:ln w="28575">
+              <a:solidFill>
+                <a:schemeClr val="bg1"/>
+              </a:solidFill>
+            </a:ln>
+          </p:spPr>
+          <p:style>
+            <a:lnRef idx="1">
+              <a:schemeClr val="accent1"/>
+            </a:lnRef>
+            <a:fillRef idx="0">
+              <a:schemeClr val="accent1"/>
+            </a:fillRef>
+            <a:effectRef idx="0">
+              <a:schemeClr val="accent1"/>
+            </a:effectRef>
+            <a:fontRef idx="minor">
+              <a:schemeClr val="tx1"/>
+            </a:fontRef>
+          </p:style>
+        </p:cxnSp>
+        <p:cxnSp>
+          <p:nvCxnSpPr>
+            <p:cNvPr id="13" name="Straight Connector 12">
+              <a:extLst>
+                <a:ext uri="{FF2B5EF4-FFF2-40B4-BE49-F238E27FC236}">
+                  <a16:creationId xmlns:a16="http://schemas.microsoft.com/office/drawing/2014/main" id="{E1F86903-155E-DADA-B067-63A31B621842}"/>
+                </a:ext>
+              </a:extLst>
+            </p:cNvPr>
+            <p:cNvCxnSpPr>
+              <a:cxnSpLocks/>
+            </p:cNvCxnSpPr>
+            <p:nvPr/>
+          </p:nvCxnSpPr>
+          <p:spPr>
+            <a:xfrm flipV="1">
+              <a:off x="4538267" y="2531697"/>
+              <a:ext cx="65636" cy="109203"/>
+            </a:xfrm>
+            <a:prstGeom prst="line">
+              <a:avLst/>
+            </a:prstGeom>
+            <a:ln w="28575">
+              <a:solidFill>
+                <a:schemeClr val="bg1"/>
+              </a:solidFill>
+            </a:ln>
+          </p:spPr>
+          <p:style>
+            <a:lnRef idx="1">
+              <a:schemeClr val="accent1"/>
+            </a:lnRef>
+            <a:fillRef idx="0">
+              <a:schemeClr val="accent1"/>
+            </a:fillRef>
+            <a:effectRef idx="0">
+              <a:schemeClr val="accent1"/>
+            </a:effectRef>
+            <a:fontRef idx="minor">
+              <a:schemeClr val="tx1"/>
+            </a:fontRef>
+          </p:style>
+        </p:cxnSp>
+        <p:sp>
+          <p:nvSpPr>
+            <p:cNvPr id="14" name="Oval 13">
+              <a:extLst>
+                <a:ext uri="{FF2B5EF4-FFF2-40B4-BE49-F238E27FC236}">
+                  <a16:creationId xmlns:a16="http://schemas.microsoft.com/office/drawing/2014/main" id="{58821819-0241-AF83-6808-F77B7FA2BA37}"/>
+                </a:ext>
+              </a:extLst>
+            </p:cNvPr>
+            <p:cNvSpPr/>
+            <p:nvPr/>
+          </p:nvSpPr>
+          <p:spPr>
+            <a:xfrm>
+              <a:off x="4400732" y="3942361"/>
+              <a:ext cx="264703" cy="267250"/>
+            </a:xfrm>
+            <a:prstGeom prst="ellipse">
+              <a:avLst/>
+            </a:prstGeom>
+          </p:spPr>
+          <p:style>
+            <a:lnRef idx="2">
+              <a:schemeClr val="dk1">
+                <a:shade val="50000"/>
+              </a:schemeClr>
+            </a:lnRef>
+            <a:fillRef idx="1">
+              <a:schemeClr val="dk1"/>
+            </a:fillRef>
+            <a:effectRef idx="0">
+              <a:schemeClr val="dk1"/>
+            </a:effectRef>
+            <a:fontRef idx="minor">
+              <a:schemeClr val="lt1"/>
+            </a:fontRef>
+          </p:style>
+          <p:txBody>
+            <a:bodyPr rtlCol="0" anchor="ctr"/>
+            <a:lstStyle/>
+            <a:p>
+              <a:pPr algn="ctr"/>
+              <a:endParaRPr lang="en-US"/>
+            </a:p>
+          </p:txBody>
+        </p:sp>
+        <p:cxnSp>
+          <p:nvCxnSpPr>
+            <p:cNvPr id="15" name="Straight Connector 14">
+              <a:extLst>
+                <a:ext uri="{FF2B5EF4-FFF2-40B4-BE49-F238E27FC236}">
+                  <a16:creationId xmlns:a16="http://schemas.microsoft.com/office/drawing/2014/main" id="{2FAEBC45-F8AC-9C08-A8EF-C9B7F69D589C}"/>
+                </a:ext>
+              </a:extLst>
+            </p:cNvPr>
+            <p:cNvCxnSpPr>
+              <a:cxnSpLocks/>
+            </p:cNvCxnSpPr>
+            <p:nvPr/>
+          </p:nvCxnSpPr>
+          <p:spPr>
+            <a:xfrm>
+              <a:off x="4475171" y="4075986"/>
+              <a:ext cx="115824" cy="0"/>
+            </a:xfrm>
+            <a:prstGeom prst="line">
+              <a:avLst/>
+            </a:prstGeom>
+            <a:ln w="28575">
+              <a:solidFill>
+                <a:schemeClr val="bg1"/>
+              </a:solidFill>
+            </a:ln>
+          </p:spPr>
+          <p:style>
+            <a:lnRef idx="1">
+              <a:schemeClr val="accent1"/>
+            </a:lnRef>
+            <a:fillRef idx="0">
+              <a:schemeClr val="accent1"/>
+            </a:fillRef>
+            <a:effectRef idx="0">
+              <a:schemeClr val="accent1"/>
+            </a:effectRef>
+            <a:fontRef idx="minor">
+              <a:schemeClr val="tx1"/>
+            </a:fontRef>
+          </p:style>
+        </p:cxnSp>
+        <p:cxnSp>
+          <p:nvCxnSpPr>
+            <p:cNvPr id="16" name="Straight Connector 15">
+              <a:extLst>
+                <a:ext uri="{FF2B5EF4-FFF2-40B4-BE49-F238E27FC236}">
+                  <a16:creationId xmlns:a16="http://schemas.microsoft.com/office/drawing/2014/main" id="{0E816C24-976E-60A2-9529-3453D70FBE27}"/>
+                </a:ext>
+              </a:extLst>
+            </p:cNvPr>
+            <p:cNvCxnSpPr>
+              <a:cxnSpLocks/>
+            </p:cNvCxnSpPr>
+            <p:nvPr/>
+          </p:nvCxnSpPr>
+          <p:spPr>
+            <a:xfrm flipH="1" flipV="1">
+              <a:off x="4534878" y="4001596"/>
+              <a:ext cx="2381" cy="142875"/>
+            </a:xfrm>
+            <a:prstGeom prst="line">
+              <a:avLst/>
+            </a:prstGeom>
+            <a:ln w="28575">
+              <a:solidFill>
+                <a:schemeClr val="bg1"/>
+              </a:solidFill>
+            </a:ln>
+          </p:spPr>
+          <p:style>
+            <a:lnRef idx="1">
+              <a:schemeClr val="accent1"/>
+            </a:lnRef>
+            <a:fillRef idx="0">
+              <a:schemeClr val="accent1"/>
+            </a:fillRef>
+            <a:effectRef idx="0">
+              <a:schemeClr val="accent1"/>
+            </a:effectRef>
+            <a:fontRef idx="minor">
+              <a:schemeClr val="tx1"/>
+            </a:fontRef>
+          </p:style>
+        </p:cxnSp>
+        <p:cxnSp>
+          <p:nvCxnSpPr>
+            <p:cNvPr id="17" name="Straight Connector 16">
+              <a:extLst>
+                <a:ext uri="{FF2B5EF4-FFF2-40B4-BE49-F238E27FC236}">
+                  <a16:creationId xmlns:a16="http://schemas.microsoft.com/office/drawing/2014/main" id="{80B3E530-3D0B-1664-27A9-632EC53BA3B8}"/>
+                </a:ext>
+              </a:extLst>
+            </p:cNvPr>
+            <p:cNvCxnSpPr>
+              <a:cxnSpLocks/>
+            </p:cNvCxnSpPr>
+            <p:nvPr/>
+          </p:nvCxnSpPr>
+          <p:spPr>
+            <a:xfrm flipH="1" flipV="1">
+              <a:off x="1426464" y="2075541"/>
+              <a:ext cx="3466211" cy="6015"/>
+            </a:xfrm>
+            <a:prstGeom prst="line">
+              <a:avLst/>
+            </a:prstGeom>
+            <a:ln w="12700">
+              <a:solidFill>
+                <a:srgbClr val="199AAE"/>
+              </a:solidFill>
+            </a:ln>
+          </p:spPr>
+          <p:style>
+            <a:lnRef idx="1">
+              <a:schemeClr val="accent1"/>
+            </a:lnRef>
+            <a:fillRef idx="0">
+              <a:schemeClr val="accent1"/>
+            </a:fillRef>
+            <a:effectRef idx="0">
+              <a:schemeClr val="accent1"/>
+            </a:effectRef>
+            <a:fontRef idx="minor">
+              <a:schemeClr val="tx1"/>
+            </a:fontRef>
+          </p:style>
+        </p:cxnSp>
+        <p:cxnSp>
+          <p:nvCxnSpPr>
+            <p:cNvPr id="18" name="Straight Connector 17">
+              <a:extLst>
+                <a:ext uri="{FF2B5EF4-FFF2-40B4-BE49-F238E27FC236}">
+                  <a16:creationId xmlns:a16="http://schemas.microsoft.com/office/drawing/2014/main" id="{99A59F92-EADB-8B5F-B506-0840DD2CC8A0}"/>
+                </a:ext>
+              </a:extLst>
+            </p:cNvPr>
+            <p:cNvCxnSpPr/>
+            <p:nvPr/>
+          </p:nvCxnSpPr>
+          <p:spPr>
+            <a:xfrm>
+              <a:off x="1426464" y="2075541"/>
+              <a:ext cx="0" cy="333353"/>
+            </a:xfrm>
+            <a:prstGeom prst="line">
+              <a:avLst/>
+            </a:prstGeom>
+            <a:ln w="12700">
+              <a:solidFill>
+                <a:srgbClr val="199AAE"/>
+              </a:solidFill>
+            </a:ln>
+          </p:spPr>
+          <p:style>
+            <a:lnRef idx="1">
+              <a:schemeClr val="accent1"/>
+            </a:lnRef>
+            <a:fillRef idx="0">
+              <a:schemeClr val="accent1"/>
+            </a:fillRef>
+            <a:effectRef idx="0">
+              <a:schemeClr val="accent1"/>
+            </a:effectRef>
+            <a:fontRef idx="minor">
+              <a:schemeClr val="tx1"/>
+            </a:fontRef>
+          </p:style>
+        </p:cxnSp>
+        <p:cxnSp>
+          <p:nvCxnSpPr>
+            <p:cNvPr id="19" name="Straight Arrow Connector 18">
+              <a:extLst>
+                <a:ext uri="{FF2B5EF4-FFF2-40B4-BE49-F238E27FC236}">
+                  <a16:creationId xmlns:a16="http://schemas.microsoft.com/office/drawing/2014/main" id="{DAF49627-F8D1-F820-3668-018464ABE071}"/>
+                </a:ext>
+              </a:extLst>
+            </p:cNvPr>
+            <p:cNvCxnSpPr/>
+            <p:nvPr/>
+          </p:nvCxnSpPr>
+          <p:spPr>
+            <a:xfrm>
+              <a:off x="1426464" y="2408894"/>
+              <a:ext cx="98483" cy="0"/>
+            </a:xfrm>
+            <a:prstGeom prst="straightConnector1">
+              <a:avLst/>
+            </a:prstGeom>
+            <a:ln w="12700">
+              <a:solidFill>
+                <a:srgbClr val="199AAE"/>
+              </a:solidFill>
+              <a:tailEnd type="triangle"/>
+            </a:ln>
+          </p:spPr>
+          <p:style>
+            <a:lnRef idx="1">
+              <a:schemeClr val="accent1"/>
+            </a:lnRef>
+            <a:fillRef idx="0">
+              <a:schemeClr val="accent1"/>
+            </a:fillRef>
+            <a:effectRef idx="0">
+              <a:schemeClr val="accent1"/>
+            </a:effectRef>
+            <a:fontRef idx="minor">
+              <a:schemeClr val="tx1"/>
+            </a:fontRef>
+          </p:style>
+        </p:cxnSp>
+        <p:cxnSp>
+          <p:nvCxnSpPr>
+            <p:cNvPr id="20" name="Straight Arrow Connector 19">
+              <a:extLst>
+                <a:ext uri="{FF2B5EF4-FFF2-40B4-BE49-F238E27FC236}">
+                  <a16:creationId xmlns:a16="http://schemas.microsoft.com/office/drawing/2014/main" id="{E899236F-B05F-5A28-A541-D47BA91C4E7C}"/>
+                </a:ext>
+              </a:extLst>
+            </p:cNvPr>
+            <p:cNvCxnSpPr>
+              <a:cxnSpLocks/>
+              <a:endCxn id="11" idx="0"/>
+            </p:cNvCxnSpPr>
+            <p:nvPr/>
+          </p:nvCxnSpPr>
+          <p:spPr>
+            <a:xfrm>
+              <a:off x="4533082" y="2075540"/>
+              <a:ext cx="1" cy="381407"/>
+            </a:xfrm>
+            <a:prstGeom prst="straightConnector1">
+              <a:avLst/>
+            </a:prstGeom>
+            <a:ln w="12700">
+              <a:solidFill>
+                <a:srgbClr val="199AAE"/>
+              </a:solidFill>
+              <a:tailEnd type="triangle"/>
+            </a:ln>
+          </p:spPr>
+          <p:style>
+            <a:lnRef idx="1">
+              <a:schemeClr val="accent1"/>
+            </a:lnRef>
+            <a:fillRef idx="0">
+              <a:schemeClr val="accent1"/>
+            </a:fillRef>
+            <a:effectRef idx="0">
+              <a:schemeClr val="accent1"/>
+            </a:effectRef>
+            <a:fontRef idx="minor">
+              <a:schemeClr val="tx1"/>
+            </a:fontRef>
+          </p:style>
+        </p:cxnSp>
+        <p:cxnSp>
+          <p:nvCxnSpPr>
+            <p:cNvPr id="21" name="Straight Arrow Connector 20">
+              <a:extLst>
+                <a:ext uri="{FF2B5EF4-FFF2-40B4-BE49-F238E27FC236}">
+                  <a16:creationId xmlns:a16="http://schemas.microsoft.com/office/drawing/2014/main" id="{3F9413A7-F08C-1D30-54C6-ADB4B56BB636}"/>
+                </a:ext>
+              </a:extLst>
+            </p:cNvPr>
+            <p:cNvCxnSpPr>
+              <a:cxnSpLocks/>
+              <a:stCxn id="11" idx="4"/>
+              <a:endCxn id="14" idx="0"/>
+            </p:cNvCxnSpPr>
+            <p:nvPr/>
+          </p:nvCxnSpPr>
+          <p:spPr>
+            <a:xfrm>
+              <a:off x="4533083" y="2724197"/>
+              <a:ext cx="1" cy="1218164"/>
+            </a:xfrm>
+            <a:prstGeom prst="straightConnector1">
+              <a:avLst/>
+            </a:prstGeom>
+            <a:ln w="12700">
+              <a:solidFill>
+                <a:srgbClr val="F76A6F"/>
+              </a:solidFill>
+              <a:tailEnd type="triangle"/>
+            </a:ln>
+          </p:spPr>
+          <p:style>
+            <a:lnRef idx="1">
+              <a:schemeClr val="accent1"/>
+            </a:lnRef>
+            <a:fillRef idx="0">
+              <a:schemeClr val="accent1"/>
+            </a:fillRef>
+            <a:effectRef idx="0">
+              <a:schemeClr val="accent1"/>
+            </a:effectRef>
+            <a:fontRef idx="minor">
+              <a:schemeClr val="tx1"/>
+            </a:fontRef>
+          </p:style>
+        </p:cxnSp>
+        <p:cxnSp>
+          <p:nvCxnSpPr>
+            <p:cNvPr id="22" name="Straight Arrow Connector 21">
+              <a:extLst>
+                <a:ext uri="{FF2B5EF4-FFF2-40B4-BE49-F238E27FC236}">
+                  <a16:creationId xmlns:a16="http://schemas.microsoft.com/office/drawing/2014/main" id="{98DF28A2-63DB-0FD9-E224-876DDCB5FE16}"/>
+                </a:ext>
+              </a:extLst>
+            </p:cNvPr>
+            <p:cNvCxnSpPr>
+              <a:stCxn id="6" idx="3"/>
+              <a:endCxn id="11" idx="2"/>
+            </p:cNvCxnSpPr>
+            <p:nvPr/>
+          </p:nvCxnSpPr>
+          <p:spPr>
+            <a:xfrm flipV="1">
+              <a:off x="3201347" y="2590572"/>
+              <a:ext cx="1199384" cy="1"/>
+            </a:xfrm>
+            <a:prstGeom prst="straightConnector1">
+              <a:avLst/>
+            </a:prstGeom>
+            <a:ln w="12700">
+              <a:solidFill>
+                <a:srgbClr val="F76A6F"/>
+              </a:solidFill>
+              <a:tailEnd type="triangle"/>
+            </a:ln>
+          </p:spPr>
+          <p:style>
+            <a:lnRef idx="1">
+              <a:schemeClr val="accent1"/>
+            </a:lnRef>
+            <a:fillRef idx="0">
+              <a:schemeClr val="accent1"/>
+            </a:fillRef>
+            <a:effectRef idx="0">
+              <a:schemeClr val="accent1"/>
+            </a:effectRef>
+            <a:fontRef idx="minor">
+              <a:schemeClr val="tx1"/>
+            </a:fontRef>
+          </p:style>
+        </p:cxnSp>
+        <p:cxnSp>
+          <p:nvCxnSpPr>
+            <p:cNvPr id="23" name="Straight Arrow Connector 22">
+              <a:extLst>
+                <a:ext uri="{FF2B5EF4-FFF2-40B4-BE49-F238E27FC236}">
+                  <a16:creationId xmlns:a16="http://schemas.microsoft.com/office/drawing/2014/main" id="{B52B65E4-C590-604A-3D93-D4CB1963EEE7}"/>
+                </a:ext>
+              </a:extLst>
+            </p:cNvPr>
+            <p:cNvCxnSpPr>
+              <a:cxnSpLocks/>
+              <a:stCxn id="14" idx="2"/>
+              <a:endCxn id="7" idx="3"/>
+            </p:cNvCxnSpPr>
+            <p:nvPr/>
+          </p:nvCxnSpPr>
+          <p:spPr>
+            <a:xfrm flipH="1">
+              <a:off x="3201347" y="4075986"/>
+              <a:ext cx="1199385" cy="8033"/>
+            </a:xfrm>
+            <a:prstGeom prst="straightConnector1">
+              <a:avLst/>
+            </a:prstGeom>
+            <a:ln w="12700">
+              <a:solidFill>
+                <a:schemeClr val="tx1"/>
+              </a:solidFill>
+              <a:tailEnd type="triangle"/>
+            </a:ln>
+          </p:spPr>
+          <p:style>
+            <a:lnRef idx="1">
+              <a:schemeClr val="accent1"/>
+            </a:lnRef>
+            <a:fillRef idx="0">
+              <a:schemeClr val="accent1"/>
+            </a:fillRef>
+            <a:effectRef idx="0">
+              <a:schemeClr val="accent1"/>
+            </a:effectRef>
+            <a:fontRef idx="minor">
+              <a:schemeClr val="tx1"/>
+            </a:fontRef>
+          </p:style>
+        </p:cxnSp>
+        <p:sp>
+          <p:nvSpPr>
+            <p:cNvPr id="24" name="TextBox 23">
+              <a:extLst>
+                <a:ext uri="{FF2B5EF4-FFF2-40B4-BE49-F238E27FC236}">
+                  <a16:creationId xmlns:a16="http://schemas.microsoft.com/office/drawing/2014/main" id="{57ECD391-0652-E0DC-D2EB-ADFC6E9371AA}"/>
+                </a:ext>
+              </a:extLst>
+            </p:cNvPr>
+            <p:cNvSpPr txBox="1"/>
+            <p:nvPr/>
+          </p:nvSpPr>
+          <p:spPr>
+            <a:xfrm>
+              <a:off x="3231827" y="1292462"/>
+              <a:ext cx="1388148" cy="523220"/>
+            </a:xfrm>
+            <a:prstGeom prst="rect">
+              <a:avLst/>
+            </a:prstGeom>
+            <a:noFill/>
+          </p:spPr>
+          <p:txBody>
+            <a:bodyPr wrap="square" rtlCol="0">
+              <a:spAutoFit/>
+            </a:bodyPr>
+            <a:lstStyle/>
+            <a:p>
+              <a:r>
+                <a:rPr lang="en-US" sz="1400" b="1" dirty="0"/>
+                <a:t>Slow, Long Action</a:t>
+              </a:r>
+            </a:p>
+          </p:txBody>
+        </p:sp>
+        <p:sp>
+          <p:nvSpPr>
+            <p:cNvPr id="25" name="TextBox 24">
+              <a:extLst>
+                <a:ext uri="{FF2B5EF4-FFF2-40B4-BE49-F238E27FC236}">
+                  <a16:creationId xmlns:a16="http://schemas.microsoft.com/office/drawing/2014/main" id="{C3F3C0DF-5001-561A-4B07-4B1A328D1903}"/>
+                </a:ext>
+              </a:extLst>
+            </p:cNvPr>
+            <p:cNvSpPr txBox="1"/>
+            <p:nvPr/>
+          </p:nvSpPr>
+          <p:spPr>
+            <a:xfrm>
+              <a:off x="3177121" y="2336174"/>
+              <a:ext cx="1388148" cy="523220"/>
+            </a:xfrm>
+            <a:prstGeom prst="rect">
+              <a:avLst/>
+            </a:prstGeom>
+            <a:noFill/>
+          </p:spPr>
+          <p:txBody>
+            <a:bodyPr wrap="square" rtlCol="0">
+              <a:spAutoFit/>
+            </a:bodyPr>
+            <a:lstStyle/>
+            <a:p>
+              <a:r>
+                <a:rPr lang="en-US" sz="1400" b="1" dirty="0"/>
+                <a:t>Short, Fast</a:t>
+              </a:r>
+            </a:p>
+            <a:p>
+              <a:r>
+                <a:rPr lang="en-US" sz="1400" b="1" dirty="0"/>
+                <a:t>Action</a:t>
+              </a:r>
+            </a:p>
+          </p:txBody>
+        </p:sp>
+        <p:sp>
+          <p:nvSpPr>
+            <p:cNvPr id="26" name="TextBox 25">
+              <a:extLst>
+                <a:ext uri="{FF2B5EF4-FFF2-40B4-BE49-F238E27FC236}">
+                  <a16:creationId xmlns:a16="http://schemas.microsoft.com/office/drawing/2014/main" id="{55C0F8A3-F3FE-E507-540D-A9A1E167ECA4}"/>
+                </a:ext>
+              </a:extLst>
+            </p:cNvPr>
+            <p:cNvSpPr txBox="1"/>
+            <p:nvPr/>
+          </p:nvSpPr>
+          <p:spPr>
+            <a:xfrm>
+              <a:off x="3275034" y="3818392"/>
+              <a:ext cx="1388148" cy="523220"/>
+            </a:xfrm>
+            <a:prstGeom prst="rect">
+              <a:avLst/>
+            </a:prstGeom>
+            <a:noFill/>
+          </p:spPr>
+          <p:txBody>
+            <a:bodyPr wrap="square" rtlCol="0">
+              <a:spAutoFit/>
+            </a:bodyPr>
+            <a:lstStyle/>
+            <a:p>
+              <a:r>
+                <a:rPr lang="en-US" sz="1400" b="1" dirty="0"/>
+                <a:t>Combined</a:t>
+              </a:r>
+            </a:p>
+            <a:p>
+              <a:r>
+                <a:rPr lang="en-US" sz="1400" b="1" dirty="0"/>
+                <a:t>Action</a:t>
+              </a:r>
+            </a:p>
+          </p:txBody>
+        </p:sp>
+        <p:sp>
+          <p:nvSpPr>
+            <p:cNvPr id="27" name="TextBox 26">
+              <a:extLst>
+                <a:ext uri="{FF2B5EF4-FFF2-40B4-BE49-F238E27FC236}">
+                  <a16:creationId xmlns:a16="http://schemas.microsoft.com/office/drawing/2014/main" id="{B3A0CC8B-E829-5A28-1D17-270CD3B1A477}"/>
+                </a:ext>
+              </a:extLst>
+            </p:cNvPr>
+            <p:cNvSpPr txBox="1"/>
+            <p:nvPr/>
+          </p:nvSpPr>
+          <p:spPr>
+            <a:xfrm>
+              <a:off x="835152" y="2960558"/>
+              <a:ext cx="779338" cy="369332"/>
+            </a:xfrm>
+            <a:prstGeom prst="rect">
+              <a:avLst/>
+            </a:prstGeom>
+            <a:noFill/>
+          </p:spPr>
+          <p:txBody>
+            <a:bodyPr wrap="square" rtlCol="0">
+              <a:spAutoFit/>
+            </a:bodyPr>
+            <a:lstStyle/>
+            <a:p>
+              <a:endParaRPr lang="en-US" dirty="0"/>
+            </a:p>
+          </p:txBody>
+        </p:sp>
+        <p:sp>
+          <p:nvSpPr>
+            <p:cNvPr id="28" name="TextBox 27">
+              <a:extLst>
+                <a:ext uri="{FF2B5EF4-FFF2-40B4-BE49-F238E27FC236}">
+                  <a16:creationId xmlns:a16="http://schemas.microsoft.com/office/drawing/2014/main" id="{E177F71B-6994-C9FA-B58E-283594ED296E}"/>
+                </a:ext>
+              </a:extLst>
+            </p:cNvPr>
+            <p:cNvSpPr txBox="1"/>
+            <p:nvPr/>
+          </p:nvSpPr>
+          <p:spPr>
+            <a:xfrm rot="16200000">
+              <a:off x="453333" y="3082678"/>
+              <a:ext cx="1388148" cy="307777"/>
+            </a:xfrm>
+            <a:prstGeom prst="rect">
+              <a:avLst/>
+            </a:prstGeom>
+            <a:noFill/>
+          </p:spPr>
+          <p:txBody>
+            <a:bodyPr wrap="square" rtlCol="0">
+              <a:spAutoFit/>
+            </a:bodyPr>
+            <a:lstStyle/>
+            <a:p>
+              <a:r>
+                <a:rPr lang="en-US" sz="1400" b="1" dirty="0"/>
+                <a:t>Observation</a:t>
+              </a:r>
+            </a:p>
+          </p:txBody>
+        </p:sp>
+      </p:grpSp>
+      <p:pic>
+        <p:nvPicPr>
+          <p:cNvPr id="36" name="Picture 35">
+            <a:extLst>
+              <a:ext uri="{FF2B5EF4-FFF2-40B4-BE49-F238E27FC236}">
+                <a16:creationId xmlns:a16="http://schemas.microsoft.com/office/drawing/2014/main" id="{1F9B0F15-AF2F-8810-7272-1520AD50527C}"/>
+              </a:ext>
+            </a:extLst>
+          </p:cNvPr>
+          <p:cNvPicPr>
+            <a:picLocks noChangeAspect="1"/>
+          </p:cNvPicPr>
+          <p:nvPr/>
+        </p:nvPicPr>
+        <p:blipFill>
+          <a:blip r:embed="rId2"/>
+          <a:stretch>
+            <a:fillRect/>
+          </a:stretch>
+        </p:blipFill>
+        <p:spPr>
+          <a:xfrm>
+            <a:off x="5679436" y="2520252"/>
+            <a:ext cx="4341669" cy="2468666"/>
+          </a:xfrm>
+          <a:prstGeom prst="rect">
+            <a:avLst/>
+          </a:prstGeom>
+        </p:spPr>
+      </p:pic>
+    </p:spTree>
+    <p:extLst>
+      <p:ext uri="{BB962C8B-B14F-4D97-AF65-F5344CB8AC3E}">
+        <p14:creationId xmlns:p14="http://schemas.microsoft.com/office/powerpoint/2010/main" val="2052839007"/>
+      </p:ext>
+    </p:extLst>
+  </p:cSld>
+  <p:clrMapOvr>
+    <a:masterClrMapping/>
+  </p:clrMapOvr>
+</p:sld>
+</file>
+
+<file path=ppt/slides/slide8.xml><?xml version="1.0" encoding="utf-8"?>
+<p:sld xmlns:a="http://schemas.openxmlformats.org/drawingml/2006/main" xmlns:r="http://schemas.openxmlformats.org/officeDocument/2006/relationships" xmlns:p="http://schemas.openxmlformats.org/presentationml/2006/main">
+  <p:cSld>
+    <p:spTree>
+      <p:nvGrpSpPr>
+        <p:cNvPr id="1" name=""/>
+        <p:cNvGrpSpPr/>
+        <p:nvPr/>
+      </p:nvGrpSpPr>
+      <p:grpSpPr>
+        <a:xfrm>
+          <a:off x="0" y="0"/>
+          <a:ext cx="0" cy="0"/>
+          <a:chOff x="0" y="0"/>
+          <a:chExt cx="0" cy="0"/>
+        </a:xfrm>
+      </p:grpSpPr>
+      <p:sp>
+        <p:nvSpPr>
+          <p:cNvPr id="2" name="Title 1">
+            <a:extLst>
+              <a:ext uri="{FF2B5EF4-FFF2-40B4-BE49-F238E27FC236}">
+                <a16:creationId xmlns:a16="http://schemas.microsoft.com/office/drawing/2014/main" id="{77588FD9-BAD3-5B87-ED25-987DE931E1F8}"/>
+              </a:ext>
+            </a:extLst>
+          </p:cNvPr>
+          <p:cNvSpPr>
+            <a:spLocks noGrp="1"/>
+          </p:cNvSpPr>
+          <p:nvPr>
+            <p:ph type="title"/>
+          </p:nvPr>
+        </p:nvSpPr>
+        <p:spPr/>
+        <p:txBody>
+          <a:bodyPr/>
+          <a:lstStyle/>
+          <a:p>
+            <a:r>
+              <a:rPr lang="en-US" dirty="0"/>
+              <a:t>Reflexes / acting in emergency states</a:t>
+            </a:r>
+          </a:p>
+        </p:txBody>
+      </p:sp>
+      <p:grpSp>
+        <p:nvGrpSpPr>
+          <p:cNvPr id="4" name="Group 3">
+            <a:extLst>
+              <a:ext uri="{FF2B5EF4-FFF2-40B4-BE49-F238E27FC236}">
+                <a16:creationId xmlns:a16="http://schemas.microsoft.com/office/drawing/2014/main" id="{D80FB286-CA07-9B4C-9638-300923283669}"/>
+              </a:ext>
+            </a:extLst>
+          </p:cNvPr>
+          <p:cNvGrpSpPr/>
+          <p:nvPr/>
+        </p:nvGrpSpPr>
+        <p:grpSpPr>
+          <a:xfrm>
+            <a:off x="982986" y="2489976"/>
+            <a:ext cx="3820233" cy="3089515"/>
+            <a:chOff x="835152" y="1261759"/>
+            <a:chExt cx="4057523" cy="3133041"/>
+          </a:xfrm>
+        </p:grpSpPr>
+        <p:sp>
+          <p:nvSpPr>
+            <p:cNvPr id="5" name="Rectangle 4">
+              <a:extLst>
+                <a:ext uri="{FF2B5EF4-FFF2-40B4-BE49-F238E27FC236}">
+                  <a16:creationId xmlns:a16="http://schemas.microsoft.com/office/drawing/2014/main" id="{2FFAF568-E2A0-9297-5368-0E99E8EAB8DD}"/>
+                </a:ext>
+              </a:extLst>
+            </p:cNvPr>
+            <p:cNvSpPr/>
+            <p:nvPr/>
+          </p:nvSpPr>
+          <p:spPr>
+            <a:xfrm>
+              <a:off x="1524947" y="1261759"/>
+              <a:ext cx="1694688" cy="621563"/>
+            </a:xfrm>
+            <a:prstGeom prst="rect">
+              <a:avLst/>
+            </a:prstGeom>
+            <a:solidFill>
+              <a:srgbClr val="199AAE"/>
+            </a:solidFill>
+            <a:ln>
+              <a:solidFill>
+                <a:srgbClr val="199AAE"/>
+              </a:solidFill>
+            </a:ln>
+          </p:spPr>
+          <p:style>
+            <a:lnRef idx="2">
+              <a:schemeClr val="accent1">
+                <a:shade val="50000"/>
+              </a:schemeClr>
+            </a:lnRef>
+            <a:fillRef idx="1">
+              <a:schemeClr val="accent1"/>
+            </a:fillRef>
+            <a:effectRef idx="0">
+              <a:schemeClr val="accent1"/>
+            </a:effectRef>
+            <a:fontRef idx="minor">
+              <a:schemeClr val="lt1"/>
+            </a:fontRef>
+          </p:style>
+          <p:txBody>
+            <a:bodyPr rtlCol="0" anchor="ctr"/>
+            <a:lstStyle/>
+            <a:p>
+              <a:pPr algn="ctr"/>
+              <a:r>
+                <a:rPr lang="en-US" dirty="0"/>
+                <a:t>Slow Controller</a:t>
+              </a:r>
+            </a:p>
+          </p:txBody>
+        </p:sp>
+        <p:sp>
+          <p:nvSpPr>
+            <p:cNvPr id="6" name="Rectangle 5">
+              <a:extLst>
+                <a:ext uri="{FF2B5EF4-FFF2-40B4-BE49-F238E27FC236}">
+                  <a16:creationId xmlns:a16="http://schemas.microsoft.com/office/drawing/2014/main" id="{27F4BC24-8F6F-0FF5-3409-AFA6EA4A4B78}"/>
+                </a:ext>
+              </a:extLst>
+            </p:cNvPr>
+            <p:cNvSpPr/>
+            <p:nvPr/>
+          </p:nvSpPr>
+          <p:spPr>
+            <a:xfrm>
+              <a:off x="1506659" y="2279791"/>
+              <a:ext cx="1694688" cy="621563"/>
+            </a:xfrm>
+            <a:prstGeom prst="rect">
+              <a:avLst/>
+            </a:prstGeom>
+            <a:solidFill>
+              <a:srgbClr val="F76A6F"/>
+            </a:solidFill>
+            <a:ln>
+              <a:solidFill>
+                <a:srgbClr val="F76A6F"/>
+              </a:solidFill>
+            </a:ln>
+          </p:spPr>
+          <p:style>
+            <a:lnRef idx="2">
+              <a:schemeClr val="accent1">
+                <a:shade val="50000"/>
+              </a:schemeClr>
+            </a:lnRef>
+            <a:fillRef idx="1">
+              <a:schemeClr val="accent1"/>
+            </a:fillRef>
+            <a:effectRef idx="0">
+              <a:schemeClr val="accent1"/>
+            </a:effectRef>
+            <a:fontRef idx="minor">
+              <a:schemeClr val="lt1"/>
+            </a:fontRef>
+          </p:style>
+          <p:txBody>
+            <a:bodyPr rtlCol="0" anchor="ctr"/>
+            <a:lstStyle/>
+            <a:p>
+              <a:pPr algn="ctr"/>
+              <a:r>
+                <a:rPr lang="en-US" dirty="0"/>
+                <a:t>Fast Controller</a:t>
+              </a:r>
+            </a:p>
+          </p:txBody>
+        </p:sp>
+        <p:sp>
+          <p:nvSpPr>
+            <p:cNvPr id="7" name="Rectangle 6">
+              <a:extLst>
+                <a:ext uri="{FF2B5EF4-FFF2-40B4-BE49-F238E27FC236}">
+                  <a16:creationId xmlns:a16="http://schemas.microsoft.com/office/drawing/2014/main" id="{37729585-BC1B-9430-C1D7-577F41B86F80}"/>
+                </a:ext>
+              </a:extLst>
+            </p:cNvPr>
+            <p:cNvSpPr/>
+            <p:nvPr/>
+          </p:nvSpPr>
+          <p:spPr>
+            <a:xfrm>
+              <a:off x="1506659" y="3773237"/>
+              <a:ext cx="1694688" cy="621563"/>
+            </a:xfrm>
+            <a:prstGeom prst="rect">
+              <a:avLst/>
+            </a:prstGeom>
+            <a:solidFill>
+              <a:srgbClr val="FFBC44"/>
+            </a:solidFill>
+            <a:ln>
+              <a:solidFill>
+                <a:srgbClr val="FFBC44"/>
+              </a:solidFill>
+            </a:ln>
+          </p:spPr>
+          <p:style>
+            <a:lnRef idx="2">
+              <a:schemeClr val="accent1">
+                <a:shade val="50000"/>
+              </a:schemeClr>
+            </a:lnRef>
+            <a:fillRef idx="1">
+              <a:schemeClr val="accent1"/>
+            </a:fillRef>
+            <a:effectRef idx="0">
+              <a:schemeClr val="accent1"/>
+            </a:effectRef>
+            <a:fontRef idx="minor">
+              <a:schemeClr val="lt1"/>
+            </a:fontRef>
+          </p:style>
+          <p:txBody>
+            <a:bodyPr rtlCol="0" anchor="ctr"/>
+            <a:lstStyle/>
+            <a:p>
+              <a:pPr algn="ctr"/>
+              <a:r>
+                <a:rPr lang="en-US" dirty="0"/>
+                <a:t>Environment</a:t>
+              </a:r>
+            </a:p>
+          </p:txBody>
+        </p:sp>
+        <p:cxnSp>
+          <p:nvCxnSpPr>
+            <p:cNvPr id="8" name="Connector: Elbow 7">
+              <a:extLst>
+                <a:ext uri="{FF2B5EF4-FFF2-40B4-BE49-F238E27FC236}">
+                  <a16:creationId xmlns:a16="http://schemas.microsoft.com/office/drawing/2014/main" id="{C0C7C6FD-D5D9-285E-0C15-12DF955FB519}"/>
+                </a:ext>
+              </a:extLst>
+            </p:cNvPr>
+            <p:cNvCxnSpPr>
+              <a:stCxn id="7" idx="1"/>
+              <a:endCxn id="5" idx="1"/>
+            </p:cNvCxnSpPr>
+            <p:nvPr/>
+          </p:nvCxnSpPr>
+          <p:spPr>
+            <a:xfrm rot="10800000" flipH="1">
+              <a:off x="1506659" y="1572541"/>
+              <a:ext cx="18288" cy="2511478"/>
+            </a:xfrm>
+            <a:prstGeom prst="bentConnector3">
+              <a:avLst>
+                <a:gd name="adj1" fmla="val -1250000"/>
+              </a:avLst>
+            </a:prstGeom>
+            <a:ln w="12700">
+              <a:solidFill>
+                <a:schemeClr val="tx1"/>
+              </a:solidFill>
+              <a:tailEnd type="triangle"/>
+            </a:ln>
+          </p:spPr>
+          <p:style>
+            <a:lnRef idx="1">
+              <a:schemeClr val="accent1"/>
+            </a:lnRef>
+            <a:fillRef idx="0">
+              <a:schemeClr val="accent1"/>
+            </a:fillRef>
+            <a:effectRef idx="0">
+              <a:schemeClr val="accent1"/>
+            </a:effectRef>
+            <a:fontRef idx="minor">
+              <a:schemeClr val="tx1"/>
+            </a:fontRef>
+          </p:style>
+        </p:cxnSp>
+        <p:cxnSp>
+          <p:nvCxnSpPr>
+            <p:cNvPr id="9" name="Connector: Elbow 8">
+              <a:extLst>
+                <a:ext uri="{FF2B5EF4-FFF2-40B4-BE49-F238E27FC236}">
+                  <a16:creationId xmlns:a16="http://schemas.microsoft.com/office/drawing/2014/main" id="{0FE3C492-A71A-F2C9-E25F-3F8840BE11EA}"/>
+                </a:ext>
+              </a:extLst>
+            </p:cNvPr>
+            <p:cNvCxnSpPr>
+              <a:cxnSpLocks/>
+              <a:stCxn id="7" idx="1"/>
+              <a:endCxn id="6" idx="1"/>
+            </p:cNvCxnSpPr>
+            <p:nvPr/>
+          </p:nvCxnSpPr>
+          <p:spPr>
+            <a:xfrm rot="10800000">
+              <a:off x="1506659" y="2590573"/>
+              <a:ext cx="12700" cy="1493446"/>
+            </a:xfrm>
+            <a:prstGeom prst="bentConnector3">
+              <a:avLst>
+                <a:gd name="adj1" fmla="val 1944000"/>
+              </a:avLst>
+            </a:prstGeom>
+            <a:ln w="12700">
+              <a:solidFill>
+                <a:schemeClr val="tx1"/>
+              </a:solidFill>
+              <a:tailEnd type="triangle"/>
+            </a:ln>
+          </p:spPr>
+          <p:style>
+            <a:lnRef idx="1">
+              <a:schemeClr val="accent1"/>
+            </a:lnRef>
+            <a:fillRef idx="0">
+              <a:schemeClr val="accent1"/>
+            </a:fillRef>
+            <a:effectRef idx="0">
+              <a:schemeClr val="accent1"/>
+            </a:effectRef>
+            <a:fontRef idx="minor">
+              <a:schemeClr val="tx1"/>
+            </a:fontRef>
+          </p:style>
+        </p:cxnSp>
+        <p:cxnSp>
+          <p:nvCxnSpPr>
+            <p:cNvPr id="10" name="Connector: Elbow 9">
+              <a:extLst>
+                <a:ext uri="{FF2B5EF4-FFF2-40B4-BE49-F238E27FC236}">
+                  <a16:creationId xmlns:a16="http://schemas.microsoft.com/office/drawing/2014/main" id="{5CBBC944-1342-57E6-F831-729DED064FBB}"/>
+                </a:ext>
+              </a:extLst>
+            </p:cNvPr>
+            <p:cNvCxnSpPr>
+              <a:cxnSpLocks/>
+              <a:stCxn id="5" idx="3"/>
+              <a:endCxn id="14" idx="6"/>
+            </p:cNvCxnSpPr>
+            <p:nvPr/>
+          </p:nvCxnSpPr>
+          <p:spPr>
+            <a:xfrm>
+              <a:off x="3219635" y="1572541"/>
+              <a:ext cx="1445800" cy="2503445"/>
+            </a:xfrm>
+            <a:prstGeom prst="bentConnector3">
+              <a:avLst>
+                <a:gd name="adj1" fmla="val 115811"/>
+              </a:avLst>
+            </a:prstGeom>
+            <a:ln w="12700">
+              <a:solidFill>
+                <a:srgbClr val="199AAE"/>
+              </a:solidFill>
+              <a:tailEnd type="triangle"/>
+            </a:ln>
+          </p:spPr>
+          <p:style>
+            <a:lnRef idx="1">
+              <a:schemeClr val="accent1"/>
+            </a:lnRef>
+            <a:fillRef idx="0">
+              <a:schemeClr val="accent1"/>
+            </a:fillRef>
+            <a:effectRef idx="0">
+              <a:schemeClr val="accent1"/>
+            </a:effectRef>
+            <a:fontRef idx="minor">
+              <a:schemeClr val="tx1"/>
+            </a:fontRef>
+          </p:style>
+        </p:cxnSp>
+        <p:sp>
+          <p:nvSpPr>
+            <p:cNvPr id="11" name="Oval 10">
+              <a:extLst>
+                <a:ext uri="{FF2B5EF4-FFF2-40B4-BE49-F238E27FC236}">
+                  <a16:creationId xmlns:a16="http://schemas.microsoft.com/office/drawing/2014/main" id="{F07B262F-B1C0-8D11-15CE-A262F9336976}"/>
+                </a:ext>
+              </a:extLst>
+            </p:cNvPr>
+            <p:cNvSpPr/>
+            <p:nvPr/>
+          </p:nvSpPr>
+          <p:spPr>
+            <a:xfrm>
+              <a:off x="4400731" y="2456947"/>
+              <a:ext cx="264703" cy="267250"/>
+            </a:xfrm>
+            <a:prstGeom prst="ellipse">
+              <a:avLst/>
+            </a:prstGeom>
+          </p:spPr>
+          <p:style>
+            <a:lnRef idx="2">
+              <a:schemeClr val="dk1">
+                <a:shade val="50000"/>
+              </a:schemeClr>
+            </a:lnRef>
+            <a:fillRef idx="1">
+              <a:schemeClr val="dk1"/>
+            </a:fillRef>
+            <a:effectRef idx="0">
+              <a:schemeClr val="dk1"/>
+            </a:effectRef>
+            <a:fontRef idx="minor">
+              <a:schemeClr val="lt1"/>
+            </a:fontRef>
+          </p:style>
+          <p:txBody>
+            <a:bodyPr rtlCol="0" anchor="ctr"/>
+            <a:lstStyle/>
+            <a:p>
+              <a:pPr algn="ctr"/>
+              <a:endParaRPr lang="en-US"/>
+            </a:p>
+          </p:txBody>
+        </p:sp>
+        <p:cxnSp>
+          <p:nvCxnSpPr>
+            <p:cNvPr id="12" name="Straight Connector 11">
+              <a:extLst>
+                <a:ext uri="{FF2B5EF4-FFF2-40B4-BE49-F238E27FC236}">
+                  <a16:creationId xmlns:a16="http://schemas.microsoft.com/office/drawing/2014/main" id="{438CB0B1-3479-E328-7009-A9A7E821ADDF}"/>
+                </a:ext>
+              </a:extLst>
+            </p:cNvPr>
+            <p:cNvCxnSpPr>
+              <a:cxnSpLocks/>
+            </p:cNvCxnSpPr>
+            <p:nvPr/>
+          </p:nvCxnSpPr>
+          <p:spPr>
+            <a:xfrm>
+              <a:off x="4433786" y="2638626"/>
+              <a:ext cx="115824" cy="0"/>
+            </a:xfrm>
+            <a:prstGeom prst="line">
+              <a:avLst/>
+            </a:prstGeom>
+            <a:ln w="28575">
+              <a:solidFill>
+                <a:schemeClr val="bg1"/>
+              </a:solidFill>
+            </a:ln>
+          </p:spPr>
+          <p:style>
+            <a:lnRef idx="1">
+              <a:schemeClr val="accent1"/>
+            </a:lnRef>
+            <a:fillRef idx="0">
+              <a:schemeClr val="accent1"/>
+            </a:fillRef>
+            <a:effectRef idx="0">
+              <a:schemeClr val="accent1"/>
+            </a:effectRef>
+            <a:fontRef idx="minor">
+              <a:schemeClr val="tx1"/>
+            </a:fontRef>
+          </p:style>
+        </p:cxnSp>
+        <p:cxnSp>
+          <p:nvCxnSpPr>
+            <p:cNvPr id="13" name="Straight Connector 12">
+              <a:extLst>
+                <a:ext uri="{FF2B5EF4-FFF2-40B4-BE49-F238E27FC236}">
+                  <a16:creationId xmlns:a16="http://schemas.microsoft.com/office/drawing/2014/main" id="{6393EFF0-DA69-0376-D817-792A6CA96054}"/>
+                </a:ext>
+              </a:extLst>
+            </p:cNvPr>
+            <p:cNvCxnSpPr>
+              <a:cxnSpLocks/>
+            </p:cNvCxnSpPr>
+            <p:nvPr/>
+          </p:nvCxnSpPr>
+          <p:spPr>
+            <a:xfrm flipV="1">
+              <a:off x="4538267" y="2531697"/>
+              <a:ext cx="65636" cy="109203"/>
+            </a:xfrm>
+            <a:prstGeom prst="line">
+              <a:avLst/>
+            </a:prstGeom>
+            <a:ln w="28575">
+              <a:solidFill>
+                <a:schemeClr val="bg1"/>
+              </a:solidFill>
+            </a:ln>
+          </p:spPr>
+          <p:style>
+            <a:lnRef idx="1">
+              <a:schemeClr val="accent1"/>
+            </a:lnRef>
+            <a:fillRef idx="0">
+              <a:schemeClr val="accent1"/>
+            </a:fillRef>
+            <a:effectRef idx="0">
+              <a:schemeClr val="accent1"/>
+            </a:effectRef>
+            <a:fontRef idx="minor">
+              <a:schemeClr val="tx1"/>
+            </a:fontRef>
+          </p:style>
+        </p:cxnSp>
+        <p:sp>
+          <p:nvSpPr>
+            <p:cNvPr id="14" name="Oval 13">
+              <a:extLst>
+                <a:ext uri="{FF2B5EF4-FFF2-40B4-BE49-F238E27FC236}">
+                  <a16:creationId xmlns:a16="http://schemas.microsoft.com/office/drawing/2014/main" id="{42AAECA1-BDF4-72F8-A2FE-B127374F2335}"/>
+                </a:ext>
+              </a:extLst>
+            </p:cNvPr>
+            <p:cNvSpPr/>
+            <p:nvPr/>
+          </p:nvSpPr>
+          <p:spPr>
+            <a:xfrm>
+              <a:off x="4400732" y="3942361"/>
+              <a:ext cx="264703" cy="267250"/>
+            </a:xfrm>
+            <a:prstGeom prst="ellipse">
+              <a:avLst/>
+            </a:prstGeom>
+          </p:spPr>
+          <p:style>
+            <a:lnRef idx="2">
+              <a:schemeClr val="dk1">
+                <a:shade val="50000"/>
+              </a:schemeClr>
+            </a:lnRef>
+            <a:fillRef idx="1">
+              <a:schemeClr val="dk1"/>
+            </a:fillRef>
+            <a:effectRef idx="0">
+              <a:schemeClr val="dk1"/>
+            </a:effectRef>
+            <a:fontRef idx="minor">
+              <a:schemeClr val="lt1"/>
+            </a:fontRef>
+          </p:style>
+          <p:txBody>
+            <a:bodyPr rtlCol="0" anchor="ctr"/>
+            <a:lstStyle/>
+            <a:p>
+              <a:pPr algn="ctr"/>
+              <a:endParaRPr lang="en-US"/>
+            </a:p>
+          </p:txBody>
+        </p:sp>
+        <p:cxnSp>
+          <p:nvCxnSpPr>
+            <p:cNvPr id="15" name="Straight Connector 14">
+              <a:extLst>
+                <a:ext uri="{FF2B5EF4-FFF2-40B4-BE49-F238E27FC236}">
+                  <a16:creationId xmlns:a16="http://schemas.microsoft.com/office/drawing/2014/main" id="{6E4FD119-9C41-2C70-A6DB-D13E39AD6823}"/>
+                </a:ext>
+              </a:extLst>
+            </p:cNvPr>
+            <p:cNvCxnSpPr>
+              <a:cxnSpLocks/>
+            </p:cNvCxnSpPr>
+            <p:nvPr/>
+          </p:nvCxnSpPr>
+          <p:spPr>
+            <a:xfrm>
+              <a:off x="4475171" y="4075986"/>
+              <a:ext cx="115824" cy="0"/>
+            </a:xfrm>
+            <a:prstGeom prst="line">
+              <a:avLst/>
+            </a:prstGeom>
+            <a:ln w="28575">
+              <a:solidFill>
+                <a:schemeClr val="bg1"/>
+              </a:solidFill>
+            </a:ln>
+          </p:spPr>
+          <p:style>
+            <a:lnRef idx="1">
+              <a:schemeClr val="accent1"/>
+            </a:lnRef>
+            <a:fillRef idx="0">
+              <a:schemeClr val="accent1"/>
+            </a:fillRef>
+            <a:effectRef idx="0">
+              <a:schemeClr val="accent1"/>
+            </a:effectRef>
+            <a:fontRef idx="minor">
+              <a:schemeClr val="tx1"/>
+            </a:fontRef>
+          </p:style>
+        </p:cxnSp>
+        <p:cxnSp>
+          <p:nvCxnSpPr>
+            <p:cNvPr id="16" name="Straight Connector 15">
+              <a:extLst>
+                <a:ext uri="{FF2B5EF4-FFF2-40B4-BE49-F238E27FC236}">
+                  <a16:creationId xmlns:a16="http://schemas.microsoft.com/office/drawing/2014/main" id="{12CC19E7-FCD2-818A-61F3-7F4C04522B74}"/>
+                </a:ext>
+              </a:extLst>
+            </p:cNvPr>
+            <p:cNvCxnSpPr>
+              <a:cxnSpLocks/>
+            </p:cNvCxnSpPr>
+            <p:nvPr/>
+          </p:nvCxnSpPr>
+          <p:spPr>
+            <a:xfrm flipH="1" flipV="1">
+              <a:off x="4534878" y="4001596"/>
+              <a:ext cx="2381" cy="142875"/>
+            </a:xfrm>
+            <a:prstGeom prst="line">
+              <a:avLst/>
+            </a:prstGeom>
+            <a:ln w="28575">
+              <a:solidFill>
+                <a:schemeClr val="bg1"/>
+              </a:solidFill>
+            </a:ln>
+          </p:spPr>
+          <p:style>
+            <a:lnRef idx="1">
+              <a:schemeClr val="accent1"/>
+            </a:lnRef>
+            <a:fillRef idx="0">
+              <a:schemeClr val="accent1"/>
+            </a:fillRef>
+            <a:effectRef idx="0">
+              <a:schemeClr val="accent1"/>
+            </a:effectRef>
+            <a:fontRef idx="minor">
+              <a:schemeClr val="tx1"/>
+            </a:fontRef>
+          </p:style>
+        </p:cxnSp>
+        <p:cxnSp>
+          <p:nvCxnSpPr>
+            <p:cNvPr id="17" name="Straight Connector 16">
+              <a:extLst>
+                <a:ext uri="{FF2B5EF4-FFF2-40B4-BE49-F238E27FC236}">
+                  <a16:creationId xmlns:a16="http://schemas.microsoft.com/office/drawing/2014/main" id="{662E639C-15D1-5854-84FC-1ABDFEC59014}"/>
+                </a:ext>
+              </a:extLst>
+            </p:cNvPr>
+            <p:cNvCxnSpPr>
+              <a:cxnSpLocks/>
+            </p:cNvCxnSpPr>
+            <p:nvPr/>
+          </p:nvCxnSpPr>
+          <p:spPr>
+            <a:xfrm flipH="1" flipV="1">
+              <a:off x="1426464" y="2075541"/>
+              <a:ext cx="3466211" cy="6015"/>
+            </a:xfrm>
+            <a:prstGeom prst="line">
+              <a:avLst/>
+            </a:prstGeom>
+            <a:ln w="12700">
+              <a:solidFill>
+                <a:srgbClr val="199AAE"/>
+              </a:solidFill>
+            </a:ln>
+          </p:spPr>
+          <p:style>
+            <a:lnRef idx="1">
+              <a:schemeClr val="accent1"/>
+            </a:lnRef>
+            <a:fillRef idx="0">
+              <a:schemeClr val="accent1"/>
+            </a:fillRef>
+            <a:effectRef idx="0">
+              <a:schemeClr val="accent1"/>
+            </a:effectRef>
+            <a:fontRef idx="minor">
+              <a:schemeClr val="tx1"/>
+            </a:fontRef>
+          </p:style>
+        </p:cxnSp>
+        <p:cxnSp>
+          <p:nvCxnSpPr>
+            <p:cNvPr id="18" name="Straight Connector 17">
+              <a:extLst>
+                <a:ext uri="{FF2B5EF4-FFF2-40B4-BE49-F238E27FC236}">
+                  <a16:creationId xmlns:a16="http://schemas.microsoft.com/office/drawing/2014/main" id="{EFC6AF2F-1A1F-EBE3-516A-BD8B14DA0835}"/>
+                </a:ext>
+              </a:extLst>
+            </p:cNvPr>
+            <p:cNvCxnSpPr/>
+            <p:nvPr/>
+          </p:nvCxnSpPr>
+          <p:spPr>
+            <a:xfrm>
+              <a:off x="1426464" y="2075541"/>
+              <a:ext cx="0" cy="333353"/>
+            </a:xfrm>
+            <a:prstGeom prst="line">
+              <a:avLst/>
+            </a:prstGeom>
+            <a:ln w="12700">
+              <a:solidFill>
+                <a:srgbClr val="199AAE"/>
+              </a:solidFill>
+            </a:ln>
+          </p:spPr>
+          <p:style>
+            <a:lnRef idx="1">
+              <a:schemeClr val="accent1"/>
+            </a:lnRef>
+            <a:fillRef idx="0">
+              <a:schemeClr val="accent1"/>
+            </a:fillRef>
+            <a:effectRef idx="0">
+              <a:schemeClr val="accent1"/>
+            </a:effectRef>
+            <a:fontRef idx="minor">
+              <a:schemeClr val="tx1"/>
+            </a:fontRef>
+          </p:style>
+        </p:cxnSp>
+        <p:cxnSp>
+          <p:nvCxnSpPr>
+            <p:cNvPr id="19" name="Straight Arrow Connector 18">
+              <a:extLst>
+                <a:ext uri="{FF2B5EF4-FFF2-40B4-BE49-F238E27FC236}">
+                  <a16:creationId xmlns:a16="http://schemas.microsoft.com/office/drawing/2014/main" id="{8892E189-16B4-FA56-6381-F07A4C423B8E}"/>
+                </a:ext>
+              </a:extLst>
+            </p:cNvPr>
+            <p:cNvCxnSpPr/>
+            <p:nvPr/>
+          </p:nvCxnSpPr>
+          <p:spPr>
+            <a:xfrm>
+              <a:off x="1426464" y="2408894"/>
+              <a:ext cx="98483" cy="0"/>
+            </a:xfrm>
+            <a:prstGeom prst="straightConnector1">
+              <a:avLst/>
+            </a:prstGeom>
+            <a:ln w="12700">
+              <a:solidFill>
+                <a:srgbClr val="199AAE"/>
+              </a:solidFill>
+              <a:tailEnd type="triangle"/>
+            </a:ln>
+          </p:spPr>
+          <p:style>
+            <a:lnRef idx="1">
+              <a:schemeClr val="accent1"/>
+            </a:lnRef>
+            <a:fillRef idx="0">
+              <a:schemeClr val="accent1"/>
+            </a:fillRef>
+            <a:effectRef idx="0">
+              <a:schemeClr val="accent1"/>
+            </a:effectRef>
+            <a:fontRef idx="minor">
+              <a:schemeClr val="tx1"/>
+            </a:fontRef>
+          </p:style>
+        </p:cxnSp>
+        <p:cxnSp>
+          <p:nvCxnSpPr>
+            <p:cNvPr id="20" name="Straight Arrow Connector 19">
+              <a:extLst>
+                <a:ext uri="{FF2B5EF4-FFF2-40B4-BE49-F238E27FC236}">
+                  <a16:creationId xmlns:a16="http://schemas.microsoft.com/office/drawing/2014/main" id="{A3C7DAA0-8B0D-105B-1711-0E3C08AC337F}"/>
+                </a:ext>
+              </a:extLst>
+            </p:cNvPr>
+            <p:cNvCxnSpPr>
+              <a:cxnSpLocks/>
+              <a:endCxn id="11" idx="0"/>
+            </p:cNvCxnSpPr>
+            <p:nvPr/>
+          </p:nvCxnSpPr>
+          <p:spPr>
+            <a:xfrm>
+              <a:off x="4533082" y="2075540"/>
+              <a:ext cx="1" cy="381407"/>
+            </a:xfrm>
+            <a:prstGeom prst="straightConnector1">
+              <a:avLst/>
+            </a:prstGeom>
+            <a:ln w="12700">
+              <a:solidFill>
+                <a:srgbClr val="199AAE"/>
+              </a:solidFill>
+              <a:tailEnd type="triangle"/>
+            </a:ln>
+          </p:spPr>
+          <p:style>
+            <a:lnRef idx="1">
+              <a:schemeClr val="accent1"/>
+            </a:lnRef>
+            <a:fillRef idx="0">
+              <a:schemeClr val="accent1"/>
+            </a:fillRef>
+            <a:effectRef idx="0">
+              <a:schemeClr val="accent1"/>
+            </a:effectRef>
+            <a:fontRef idx="minor">
+              <a:schemeClr val="tx1"/>
+            </a:fontRef>
+          </p:style>
+        </p:cxnSp>
+        <p:cxnSp>
+          <p:nvCxnSpPr>
+            <p:cNvPr id="21" name="Straight Arrow Connector 20">
+              <a:extLst>
+                <a:ext uri="{FF2B5EF4-FFF2-40B4-BE49-F238E27FC236}">
+                  <a16:creationId xmlns:a16="http://schemas.microsoft.com/office/drawing/2014/main" id="{571E61AA-2038-74E9-BA6A-8899E3D25FB5}"/>
+                </a:ext>
+              </a:extLst>
+            </p:cNvPr>
+            <p:cNvCxnSpPr>
+              <a:cxnSpLocks/>
+              <a:stCxn id="11" idx="4"/>
+              <a:endCxn id="14" idx="0"/>
+            </p:cNvCxnSpPr>
+            <p:nvPr/>
+          </p:nvCxnSpPr>
+          <p:spPr>
+            <a:xfrm>
+              <a:off x="4533083" y="2724197"/>
+              <a:ext cx="1" cy="1218164"/>
+            </a:xfrm>
+            <a:prstGeom prst="straightConnector1">
+              <a:avLst/>
+            </a:prstGeom>
+            <a:ln w="12700">
+              <a:solidFill>
+                <a:srgbClr val="F76A6F"/>
+              </a:solidFill>
+              <a:tailEnd type="triangle"/>
+            </a:ln>
+          </p:spPr>
+          <p:style>
+            <a:lnRef idx="1">
+              <a:schemeClr val="accent1"/>
+            </a:lnRef>
+            <a:fillRef idx="0">
+              <a:schemeClr val="accent1"/>
+            </a:fillRef>
+            <a:effectRef idx="0">
+              <a:schemeClr val="accent1"/>
+            </a:effectRef>
+            <a:fontRef idx="minor">
+              <a:schemeClr val="tx1"/>
+            </a:fontRef>
+          </p:style>
+        </p:cxnSp>
+        <p:cxnSp>
+          <p:nvCxnSpPr>
+            <p:cNvPr id="22" name="Straight Arrow Connector 21">
+              <a:extLst>
+                <a:ext uri="{FF2B5EF4-FFF2-40B4-BE49-F238E27FC236}">
+                  <a16:creationId xmlns:a16="http://schemas.microsoft.com/office/drawing/2014/main" id="{E7399619-F215-2973-3197-B9A508AC3DF2}"/>
+                </a:ext>
+              </a:extLst>
+            </p:cNvPr>
+            <p:cNvCxnSpPr>
+              <a:stCxn id="6" idx="3"/>
+              <a:endCxn id="11" idx="2"/>
+            </p:cNvCxnSpPr>
+            <p:nvPr/>
+          </p:nvCxnSpPr>
+          <p:spPr>
+            <a:xfrm flipV="1">
+              <a:off x="3201347" y="2590572"/>
+              <a:ext cx="1199384" cy="1"/>
+            </a:xfrm>
+            <a:prstGeom prst="straightConnector1">
+              <a:avLst/>
+            </a:prstGeom>
+            <a:ln w="12700">
+              <a:solidFill>
+                <a:srgbClr val="F76A6F"/>
+              </a:solidFill>
+              <a:tailEnd type="triangle"/>
+            </a:ln>
+          </p:spPr>
+          <p:style>
+            <a:lnRef idx="1">
+              <a:schemeClr val="accent1"/>
+            </a:lnRef>
+            <a:fillRef idx="0">
+              <a:schemeClr val="accent1"/>
+            </a:fillRef>
+            <a:effectRef idx="0">
+              <a:schemeClr val="accent1"/>
+            </a:effectRef>
+            <a:fontRef idx="minor">
+              <a:schemeClr val="tx1"/>
+            </a:fontRef>
+          </p:style>
+        </p:cxnSp>
+        <p:cxnSp>
+          <p:nvCxnSpPr>
+            <p:cNvPr id="23" name="Straight Arrow Connector 22">
+              <a:extLst>
+                <a:ext uri="{FF2B5EF4-FFF2-40B4-BE49-F238E27FC236}">
+                  <a16:creationId xmlns:a16="http://schemas.microsoft.com/office/drawing/2014/main" id="{2B0438A0-56A9-2AA0-5037-5559BB0DCDB0}"/>
+                </a:ext>
+              </a:extLst>
+            </p:cNvPr>
+            <p:cNvCxnSpPr>
+              <a:cxnSpLocks/>
+              <a:stCxn id="14" idx="2"/>
+              <a:endCxn id="7" idx="3"/>
+            </p:cNvCxnSpPr>
+            <p:nvPr/>
+          </p:nvCxnSpPr>
+          <p:spPr>
+            <a:xfrm flipH="1">
+              <a:off x="3201347" y="4075986"/>
+              <a:ext cx="1199385" cy="8033"/>
+            </a:xfrm>
+            <a:prstGeom prst="straightConnector1">
+              <a:avLst/>
+            </a:prstGeom>
+            <a:ln w="12700">
+              <a:solidFill>
+                <a:schemeClr val="tx1"/>
+              </a:solidFill>
+              <a:tailEnd type="triangle"/>
+            </a:ln>
+          </p:spPr>
+          <p:style>
+            <a:lnRef idx="1">
+              <a:schemeClr val="accent1"/>
+            </a:lnRef>
+            <a:fillRef idx="0">
+              <a:schemeClr val="accent1"/>
+            </a:fillRef>
+            <a:effectRef idx="0">
+              <a:schemeClr val="accent1"/>
+            </a:effectRef>
+            <a:fontRef idx="minor">
+              <a:schemeClr val="tx1"/>
+            </a:fontRef>
+          </p:style>
+        </p:cxnSp>
+        <p:sp>
+          <p:nvSpPr>
+            <p:cNvPr id="24" name="TextBox 23">
+              <a:extLst>
+                <a:ext uri="{FF2B5EF4-FFF2-40B4-BE49-F238E27FC236}">
+                  <a16:creationId xmlns:a16="http://schemas.microsoft.com/office/drawing/2014/main" id="{FEE2E8AB-AF88-285C-3379-D29296FE04F5}"/>
+                </a:ext>
+              </a:extLst>
+            </p:cNvPr>
+            <p:cNvSpPr txBox="1"/>
+            <p:nvPr/>
+          </p:nvSpPr>
+          <p:spPr>
+            <a:xfrm>
+              <a:off x="3231827" y="1292462"/>
+              <a:ext cx="1388148" cy="523220"/>
+            </a:xfrm>
+            <a:prstGeom prst="rect">
+              <a:avLst/>
+            </a:prstGeom>
+            <a:noFill/>
+          </p:spPr>
+          <p:txBody>
+            <a:bodyPr wrap="square" rtlCol="0">
+              <a:spAutoFit/>
+            </a:bodyPr>
+            <a:lstStyle/>
+            <a:p>
+              <a:r>
+                <a:rPr lang="en-US" sz="1400" b="1" dirty="0"/>
+                <a:t>Slow, Long Action</a:t>
+              </a:r>
+            </a:p>
+          </p:txBody>
+        </p:sp>
+        <p:sp>
+          <p:nvSpPr>
+            <p:cNvPr id="25" name="TextBox 24">
+              <a:extLst>
+                <a:ext uri="{FF2B5EF4-FFF2-40B4-BE49-F238E27FC236}">
+                  <a16:creationId xmlns:a16="http://schemas.microsoft.com/office/drawing/2014/main" id="{235C3AAD-E6A1-CEC9-BD0B-1589C767FD32}"/>
+                </a:ext>
+              </a:extLst>
+            </p:cNvPr>
+            <p:cNvSpPr txBox="1"/>
+            <p:nvPr/>
+          </p:nvSpPr>
+          <p:spPr>
+            <a:xfrm>
+              <a:off x="3177121" y="2336174"/>
+              <a:ext cx="1388148" cy="523220"/>
+            </a:xfrm>
+            <a:prstGeom prst="rect">
+              <a:avLst/>
+            </a:prstGeom>
+            <a:noFill/>
+          </p:spPr>
+          <p:txBody>
+            <a:bodyPr wrap="square" rtlCol="0">
+              <a:spAutoFit/>
+            </a:bodyPr>
+            <a:lstStyle/>
+            <a:p>
+              <a:r>
+                <a:rPr lang="en-US" sz="1400" b="1" dirty="0"/>
+                <a:t>Short, Fast</a:t>
+              </a:r>
+            </a:p>
+            <a:p>
+              <a:r>
+                <a:rPr lang="en-US" sz="1400" b="1" dirty="0"/>
+                <a:t>Action</a:t>
+              </a:r>
+            </a:p>
+          </p:txBody>
+        </p:sp>
+        <p:sp>
+          <p:nvSpPr>
+            <p:cNvPr id="26" name="TextBox 25">
+              <a:extLst>
+                <a:ext uri="{FF2B5EF4-FFF2-40B4-BE49-F238E27FC236}">
+                  <a16:creationId xmlns:a16="http://schemas.microsoft.com/office/drawing/2014/main" id="{60BE229E-DEC0-7051-3A68-14E833736A40}"/>
+                </a:ext>
+              </a:extLst>
+            </p:cNvPr>
+            <p:cNvSpPr txBox="1"/>
+            <p:nvPr/>
+          </p:nvSpPr>
+          <p:spPr>
+            <a:xfrm>
+              <a:off x="3275034" y="3818392"/>
+              <a:ext cx="1388148" cy="523220"/>
+            </a:xfrm>
+            <a:prstGeom prst="rect">
+              <a:avLst/>
+            </a:prstGeom>
+            <a:noFill/>
+          </p:spPr>
+          <p:txBody>
+            <a:bodyPr wrap="square" rtlCol="0">
+              <a:spAutoFit/>
+            </a:bodyPr>
+            <a:lstStyle/>
+            <a:p>
+              <a:r>
+                <a:rPr lang="en-US" sz="1400" b="1" dirty="0"/>
+                <a:t>Combined</a:t>
+              </a:r>
+            </a:p>
+            <a:p>
+              <a:r>
+                <a:rPr lang="en-US" sz="1400" b="1" dirty="0"/>
+                <a:t>Action</a:t>
+              </a:r>
+            </a:p>
+          </p:txBody>
+        </p:sp>
+        <p:sp>
+          <p:nvSpPr>
+            <p:cNvPr id="27" name="TextBox 26">
+              <a:extLst>
+                <a:ext uri="{FF2B5EF4-FFF2-40B4-BE49-F238E27FC236}">
+                  <a16:creationId xmlns:a16="http://schemas.microsoft.com/office/drawing/2014/main" id="{C3E4E633-6888-9304-9720-52729F4787AE}"/>
+                </a:ext>
+              </a:extLst>
+            </p:cNvPr>
+            <p:cNvSpPr txBox="1"/>
+            <p:nvPr/>
+          </p:nvSpPr>
+          <p:spPr>
+            <a:xfrm>
+              <a:off x="835152" y="2960558"/>
+              <a:ext cx="779338" cy="369332"/>
+            </a:xfrm>
+            <a:prstGeom prst="rect">
+              <a:avLst/>
+            </a:prstGeom>
+            <a:noFill/>
+          </p:spPr>
+          <p:txBody>
+            <a:bodyPr wrap="square" rtlCol="0">
+              <a:spAutoFit/>
+            </a:bodyPr>
+            <a:lstStyle/>
+            <a:p>
+              <a:endParaRPr lang="en-US" dirty="0"/>
+            </a:p>
+          </p:txBody>
+        </p:sp>
+        <p:sp>
+          <p:nvSpPr>
+            <p:cNvPr id="28" name="TextBox 27">
+              <a:extLst>
+                <a:ext uri="{FF2B5EF4-FFF2-40B4-BE49-F238E27FC236}">
+                  <a16:creationId xmlns:a16="http://schemas.microsoft.com/office/drawing/2014/main" id="{DCD01BB6-8C6F-E5CC-68E6-0B6858890120}"/>
+                </a:ext>
+              </a:extLst>
+            </p:cNvPr>
+            <p:cNvSpPr txBox="1"/>
+            <p:nvPr/>
+          </p:nvSpPr>
+          <p:spPr>
+            <a:xfrm rot="16200000">
+              <a:off x="453333" y="3082678"/>
+              <a:ext cx="1388148" cy="307777"/>
+            </a:xfrm>
+            <a:prstGeom prst="rect">
+              <a:avLst/>
+            </a:prstGeom>
+            <a:noFill/>
+          </p:spPr>
+          <p:txBody>
+            <a:bodyPr wrap="square" rtlCol="0">
+              <a:spAutoFit/>
+            </a:bodyPr>
+            <a:lstStyle/>
+            <a:p>
+              <a:r>
+                <a:rPr lang="en-US" sz="1400" b="1" dirty="0"/>
+                <a:t>Observation</a:t>
+              </a:r>
+            </a:p>
+          </p:txBody>
+        </p:sp>
+      </p:grpSp>
+      <p:pic>
+        <p:nvPicPr>
+          <p:cNvPr id="221" name="Picture 220">
+            <a:extLst>
+              <a:ext uri="{FF2B5EF4-FFF2-40B4-BE49-F238E27FC236}">
+                <a16:creationId xmlns:a16="http://schemas.microsoft.com/office/drawing/2014/main" id="{2DDECA0F-E72D-8BFE-D677-62EBA6E5C8A3}"/>
+              </a:ext>
+            </a:extLst>
+          </p:cNvPr>
+          <p:cNvPicPr>
+            <a:picLocks noChangeAspect="1"/>
+          </p:cNvPicPr>
+          <p:nvPr/>
+        </p:nvPicPr>
+        <p:blipFill>
+          <a:blip r:embed="rId2"/>
+          <a:stretch>
+            <a:fillRect/>
+          </a:stretch>
+        </p:blipFill>
+        <p:spPr>
+          <a:xfrm>
+            <a:off x="5300084" y="1519532"/>
+            <a:ext cx="7090263" cy="4298053"/>
+          </a:xfrm>
+          <a:prstGeom prst="rect">
+            <a:avLst/>
+          </a:prstGeom>
+        </p:spPr>
+      </p:pic>
+    </p:spTree>
+    <p:extLst>
+      <p:ext uri="{BB962C8B-B14F-4D97-AF65-F5344CB8AC3E}">
+        <p14:creationId xmlns:p14="http://schemas.microsoft.com/office/powerpoint/2010/main" val="1422420015"/>
+      </p:ext>
+    </p:extLst>
+  </p:cSld>
+  <p:clrMapOvr>
+    <a:masterClrMapping/>
+  </p:clrMapOvr>
+</p:sld>
+</file>
+
+<file path=ppt/slides/slide9.xml><?xml version="1.0" encoding="utf-8"?>
+<p:sld xmlns:a="http://schemas.openxmlformats.org/drawingml/2006/main" xmlns:r="http://schemas.openxmlformats.org/officeDocument/2006/relationships" xmlns:p="http://schemas.openxmlformats.org/presentationml/2006/main">
+  <p:cSld>
+    <p:spTree>
+      <p:nvGrpSpPr>
+        <p:cNvPr id="1" name=""/>
+        <p:cNvGrpSpPr/>
+        <p:nvPr/>
+      </p:nvGrpSpPr>
+      <p:grpSpPr>
+        <a:xfrm>
+          <a:off x="0" y="0"/>
+          <a:ext cx="0" cy="0"/>
+          <a:chOff x="0" y="0"/>
+          <a:chExt cx="0" cy="0"/>
+        </a:xfrm>
+      </p:grpSpPr>
+      <p:sp>
+        <p:nvSpPr>
+          <p:cNvPr id="2" name="Title 1">
+            <a:extLst>
+              <a:ext uri="{FF2B5EF4-FFF2-40B4-BE49-F238E27FC236}">
+                <a16:creationId xmlns:a16="http://schemas.microsoft.com/office/drawing/2014/main" id="{508BD9C5-01B9-AC65-75E9-594CD6803311}"/>
+              </a:ext>
+            </a:extLst>
+          </p:cNvPr>
+          <p:cNvSpPr>
+            <a:spLocks noGrp="1"/>
+          </p:cNvSpPr>
+          <p:nvPr>
+            <p:ph type="title"/>
+          </p:nvPr>
+        </p:nvSpPr>
+        <p:spPr/>
+        <p:txBody>
+          <a:bodyPr/>
+          <a:lstStyle/>
+          <a:p>
+            <a:r>
+              <a:rPr lang="en-US" dirty="0"/>
+              <a:t> XAI: Temporally important states</a:t>
+            </a:r>
+          </a:p>
+        </p:txBody>
+      </p:sp>
+      <p:pic>
+        <p:nvPicPr>
+          <p:cNvPr id="5" name="Content Placeholder 4">
+            <a:extLst>
+              <a:ext uri="{FF2B5EF4-FFF2-40B4-BE49-F238E27FC236}">
+                <a16:creationId xmlns:a16="http://schemas.microsoft.com/office/drawing/2014/main" id="{3F4F3384-FDD7-777A-F419-8E479ED539F6}"/>
+              </a:ext>
+            </a:extLst>
+          </p:cNvPr>
+          <p:cNvPicPr>
+            <a:picLocks noGrp="1" noChangeAspect="1"/>
+          </p:cNvPicPr>
+          <p:nvPr>
+            <p:ph idx="1"/>
+          </p:nvPr>
+        </p:nvPicPr>
+        <p:blipFill>
+          <a:blip r:embed="rId2"/>
+          <a:stretch>
+            <a:fillRect/>
+          </a:stretch>
+        </p:blipFill>
+        <p:spPr>
+          <a:xfrm>
+            <a:off x="4176843" y="2292350"/>
+            <a:ext cx="3738302" cy="3636963"/>
+          </a:xfrm>
+        </p:spPr>
+      </p:pic>
+    </p:spTree>
+    <p:extLst>
+      <p:ext uri="{BB962C8B-B14F-4D97-AF65-F5344CB8AC3E}">
+        <p14:creationId xmlns:p14="http://schemas.microsoft.com/office/powerpoint/2010/main" val="1077934691"/>
       </p:ext>
     </p:extLst>
   </p:cSld>
